--- a/SpotiX.pptx
+++ b/SpotiX.pptx
@@ -214,7 +214,7 @@
           <a:p>
             <a:fld id="{DBCFD7FE-B87F-4438-9EB9-C3403D510082}" type="datetimeFigureOut">
               <a:rPr lang="it-IT" smtClean="0"/>
-              <a:t>12/07/2020</a:t>
+              <a:t>15/07/2020</a:t>
             </a:fld>
             <a:endParaRPr lang="it-IT"/>
           </a:p>
@@ -546,6 +546,90 @@
           <a:p>
             <a:fld id="{9CC415DB-C9AC-4DD5-A2A7-F8D16968AB9A}" type="slidenum">
               <a:rPr lang="it-IT" smtClean="0"/>
+              <a:t>4</a:t>
+            </a:fld>
+            <a:endParaRPr lang="it-IT"/>
+          </a:p>
+        </p:txBody>
+      </p:sp>
+    </p:spTree>
+    <p:extLst>
+      <p:ext uri="{BB962C8B-B14F-4D97-AF65-F5344CB8AC3E}">
+        <p14:creationId xmlns:p14="http://schemas.microsoft.com/office/powerpoint/2010/main" val="21624788"/>
+      </p:ext>
+    </p:extLst>
+  </p:cSld>
+  <p:clrMapOvr>
+    <a:masterClrMapping/>
+  </p:clrMapOvr>
+</p:notes>
+</file>
+
+<file path=ppt/notesSlides/notesSlide2.xml><?xml version="1.0" encoding="utf-8"?>
+<p:notes xmlns:a="http://schemas.openxmlformats.org/drawingml/2006/main" xmlns:r="http://schemas.openxmlformats.org/officeDocument/2006/relationships" xmlns:p="http://schemas.openxmlformats.org/presentationml/2006/main">
+  <p:cSld>
+    <p:spTree>
+      <p:nvGrpSpPr>
+        <p:cNvPr id="1" name=""/>
+        <p:cNvGrpSpPr/>
+        <p:nvPr/>
+      </p:nvGrpSpPr>
+      <p:grpSpPr>
+        <a:xfrm>
+          <a:off x="0" y="0"/>
+          <a:ext cx="0" cy="0"/>
+          <a:chOff x="0" y="0"/>
+          <a:chExt cx="0" cy="0"/>
+        </a:xfrm>
+      </p:grpSpPr>
+      <p:sp>
+        <p:nvSpPr>
+          <p:cNvPr id="2" name="Segnaposto immagine diapositiva 1"/>
+          <p:cNvSpPr>
+            <a:spLocks noGrp="1" noRot="1" noChangeAspect="1"/>
+          </p:cNvSpPr>
+          <p:nvPr>
+            <p:ph type="sldImg"/>
+          </p:nvPr>
+        </p:nvSpPr>
+        <p:spPr/>
+      </p:sp>
+      <p:sp>
+        <p:nvSpPr>
+          <p:cNvPr id="3" name="Segnaposto note 2"/>
+          <p:cNvSpPr>
+            <a:spLocks noGrp="1"/>
+          </p:cNvSpPr>
+          <p:nvPr>
+            <p:ph type="body" idx="1"/>
+          </p:nvPr>
+        </p:nvSpPr>
+        <p:spPr/>
+        <p:txBody>
+          <a:bodyPr/>
+          <a:lstStyle/>
+          <a:p>
+            <a:endParaRPr lang="it-IT" dirty="0"/>
+          </a:p>
+        </p:txBody>
+      </p:sp>
+      <p:sp>
+        <p:nvSpPr>
+          <p:cNvPr id="4" name="Segnaposto numero diapositiva 3"/>
+          <p:cNvSpPr>
+            <a:spLocks noGrp="1"/>
+          </p:cNvSpPr>
+          <p:nvPr>
+            <p:ph type="sldNum" sz="quarter" idx="5"/>
+          </p:nvPr>
+        </p:nvSpPr>
+        <p:spPr/>
+        <p:txBody>
+          <a:bodyPr/>
+          <a:lstStyle/>
+          <a:p>
+            <a:fld id="{9CC415DB-C9AC-4DD5-A2A7-F8D16968AB9A}" type="slidenum">
+              <a:rPr lang="it-IT" smtClean="0"/>
               <a:t>6</a:t>
             </a:fld>
             <a:endParaRPr lang="it-IT"/>
@@ -704,7 +788,7 @@
           <a:p>
             <a:fld id="{1D8BD707-D9CF-40AE-B4C6-C98DA3205C09}" type="datetimeFigureOut">
               <a:rPr lang="en-US"/>
-              <a:t>7/12/2020</a:t>
+              <a:t>7/15/2020</a:t>
             </a:fld>
             <a:endParaRPr lang="en-US"/>
           </a:p>
@@ -875,7 +959,7 @@
           <a:p>
             <a:fld id="{1D8BD707-D9CF-40AE-B4C6-C98DA3205C09}" type="datetimeFigureOut">
               <a:rPr lang="en-US"/>
-              <a:t>7/12/2020</a:t>
+              <a:t>7/15/2020</a:t>
             </a:fld>
             <a:endParaRPr lang="en-US"/>
           </a:p>
@@ -1089,7 +1173,7 @@
           <a:p>
             <a:fld id="{1D8BD707-D9CF-40AE-B4C6-C98DA3205C09}" type="datetimeFigureOut">
               <a:rPr lang="en-US"/>
-              <a:t>7/12/2020</a:t>
+              <a:t>7/15/2020</a:t>
             </a:fld>
             <a:endParaRPr lang="en-US"/>
           </a:p>
@@ -1379,7 +1463,7 @@
           <a:p>
             <a:fld id="{1D8BD707-D9CF-40AE-B4C6-C98DA3205C09}" type="datetimeFigureOut">
               <a:rPr lang="en-US"/>
-              <a:t>7/12/2020</a:t>
+              <a:t>7/15/2020</a:t>
             </a:fld>
             <a:endParaRPr lang="en-US"/>
           </a:p>
@@ -1498,7 +1582,7 @@
           <a:p>
             <a:fld id="{1D8BD707-D9CF-40AE-B4C6-C98DA3205C09}" type="datetimeFigureOut">
               <a:rPr lang="en-US"/>
-              <a:t>7/12/2020</a:t>
+              <a:t>7/15/2020</a:t>
             </a:fld>
             <a:endParaRPr lang="en-US"/>
           </a:p>
@@ -1767,7 +1851,7 @@
           <a:p>
             <a:fld id="{1D8BD707-D9CF-40AE-B4C6-C98DA3205C09}" type="datetimeFigureOut">
               <a:rPr lang="en-US"/>
-              <a:t>7/12/2020</a:t>
+              <a:t>7/15/2020</a:t>
             </a:fld>
             <a:endParaRPr lang="en-US"/>
           </a:p>
@@ -2088,90 +2172,6 @@
       </p:sp>
       <p:sp>
         <p:nvSpPr>
-          <p:cNvPr id="4" name="object 4"/>
-          <p:cNvSpPr/>
-          <p:nvPr/>
-        </p:nvSpPr>
-        <p:spPr>
-          <a:xfrm>
-            <a:off x="1203295" y="1214168"/>
-            <a:ext cx="373380" cy="0"/>
-          </a:xfrm>
-          <a:custGeom>
-            <a:avLst/>
-            <a:gdLst/>
-            <a:ahLst/>
-            <a:cxnLst/>
-            <a:rect l="l" t="t" r="r" b="b"/>
-            <a:pathLst>
-              <a:path w="373380">
-                <a:moveTo>
-                  <a:pt x="0" y="0"/>
-                </a:moveTo>
-                <a:lnTo>
-                  <a:pt x="372859" y="0"/>
-                </a:lnTo>
-              </a:path>
-            </a:pathLst>
-          </a:custGeom>
-          <a:ln w="45826">
-            <a:solidFill>
-              <a:srgbClr val="780E0E"/>
-            </a:solidFill>
-          </a:ln>
-        </p:spPr>
-        <p:txBody>
-          <a:bodyPr wrap="square" lIns="0" tIns="0" rIns="0" bIns="0" rtlCol="0"/>
-          <a:lstStyle/>
-          <a:p>
-            <a:endParaRPr/>
-          </a:p>
-        </p:txBody>
-      </p:sp>
-      <p:sp>
-        <p:nvSpPr>
-          <p:cNvPr id="5" name="object 5"/>
-          <p:cNvSpPr/>
-          <p:nvPr/>
-        </p:nvSpPr>
-        <p:spPr>
-          <a:xfrm>
-            <a:off x="830391" y="1214168"/>
-            <a:ext cx="376555" cy="0"/>
-          </a:xfrm>
-          <a:custGeom>
-            <a:avLst/>
-            <a:gdLst/>
-            <a:ahLst/>
-            <a:cxnLst/>
-            <a:rect l="l" t="t" r="r" b="b"/>
-            <a:pathLst>
-              <a:path w="376555">
-                <a:moveTo>
-                  <a:pt x="0" y="0"/>
-                </a:moveTo>
-                <a:lnTo>
-                  <a:pt x="376012" y="0"/>
-                </a:lnTo>
-              </a:path>
-            </a:pathLst>
-          </a:custGeom>
-          <a:ln w="45826">
-            <a:solidFill>
-              <a:srgbClr val="1A9988"/>
-            </a:solidFill>
-          </a:ln>
-        </p:spPr>
-        <p:txBody>
-          <a:bodyPr wrap="square" lIns="0" tIns="0" rIns="0" bIns="0" rtlCol="0"/>
-          <a:lstStyle/>
-          <a:p>
-            <a:endParaRPr/>
-          </a:p>
-        </p:txBody>
-      </p:sp>
-      <p:sp>
-        <p:nvSpPr>
           <p:cNvPr id="6" name="object 6"/>
           <p:cNvSpPr txBox="1">
             <a:spLocks noGrp="1"/>
@@ -2692,102 +2692,6 @@
               <a:latin typeface="Montserrat Medium" panose="00000600000000000000" pitchFamily="2" charset="0"/>
               <a:cs typeface="Gill Sans MT"/>
             </a:endParaRPr>
-          </a:p>
-        </p:txBody>
-      </p:sp>
-      <p:sp>
-        <p:nvSpPr>
-          <p:cNvPr id="8" name="object 4">
-            <a:extLst>
-              <a:ext uri="{FF2B5EF4-FFF2-40B4-BE49-F238E27FC236}">
-                <a16:creationId xmlns:a16="http://schemas.microsoft.com/office/drawing/2014/main" id="{15C787B4-CEB7-4FA9-BAC6-9CCA541DAB0B}"/>
-              </a:ext>
-            </a:extLst>
-          </p:cNvPr>
-          <p:cNvSpPr/>
-          <p:nvPr/>
-        </p:nvSpPr>
-        <p:spPr>
-          <a:xfrm>
-            <a:off x="1203295" y="1214168"/>
-            <a:ext cx="373380" cy="0"/>
-          </a:xfrm>
-          <a:custGeom>
-            <a:avLst/>
-            <a:gdLst/>
-            <a:ahLst/>
-            <a:cxnLst/>
-            <a:rect l="l" t="t" r="r" b="b"/>
-            <a:pathLst>
-              <a:path w="373380">
-                <a:moveTo>
-                  <a:pt x="0" y="0"/>
-                </a:moveTo>
-                <a:lnTo>
-                  <a:pt x="372859" y="0"/>
-                </a:lnTo>
-              </a:path>
-            </a:pathLst>
-          </a:custGeom>
-          <a:ln w="45826">
-            <a:solidFill>
-              <a:srgbClr val="780E0E"/>
-            </a:solidFill>
-          </a:ln>
-        </p:spPr>
-        <p:txBody>
-          <a:bodyPr wrap="square" lIns="0" tIns="0" rIns="0" bIns="0" rtlCol="0"/>
-          <a:lstStyle/>
-          <a:p>
-            <a:endParaRPr/>
-          </a:p>
-        </p:txBody>
-      </p:sp>
-      <p:sp>
-        <p:nvSpPr>
-          <p:cNvPr id="10" name="object 5">
-            <a:extLst>
-              <a:ext uri="{FF2B5EF4-FFF2-40B4-BE49-F238E27FC236}">
-                <a16:creationId xmlns:a16="http://schemas.microsoft.com/office/drawing/2014/main" id="{C9B3D1FD-05A9-4093-8F0C-870325C8A333}"/>
-              </a:ext>
-            </a:extLst>
-          </p:cNvPr>
-          <p:cNvSpPr/>
-          <p:nvPr/>
-        </p:nvSpPr>
-        <p:spPr>
-          <a:xfrm>
-            <a:off x="830391" y="1214168"/>
-            <a:ext cx="376555" cy="0"/>
-          </a:xfrm>
-          <a:custGeom>
-            <a:avLst/>
-            <a:gdLst/>
-            <a:ahLst/>
-            <a:cxnLst/>
-            <a:rect l="l" t="t" r="r" b="b"/>
-            <a:pathLst>
-              <a:path w="376555">
-                <a:moveTo>
-                  <a:pt x="0" y="0"/>
-                </a:moveTo>
-                <a:lnTo>
-                  <a:pt x="376012" y="0"/>
-                </a:lnTo>
-              </a:path>
-            </a:pathLst>
-          </a:custGeom>
-          <a:ln w="45826">
-            <a:solidFill>
-              <a:srgbClr val="1A9988"/>
-            </a:solidFill>
-          </a:ln>
-        </p:spPr>
-        <p:txBody>
-          <a:bodyPr wrap="square" lIns="0" tIns="0" rIns="0" bIns="0" rtlCol="0"/>
-          <a:lstStyle/>
-          <a:p>
-            <a:endParaRPr/>
           </a:p>
         </p:txBody>
       </p:sp>
@@ -2890,7 +2794,7 @@
         </p:nvSpPr>
         <p:spPr>
           <a:xfrm>
-            <a:off x="796324" y="361284"/>
+            <a:off x="363015" y="212529"/>
             <a:ext cx="1946876" cy="289823"/>
           </a:xfrm>
           <a:prstGeom prst="rect">
@@ -3141,7 +3045,9 @@
             <a:avLst/>
           </a:prstGeom>
           <a:solidFill>
-            <a:srgbClr val="165413"/>
+            <a:schemeClr val="accent1">
+              <a:lumMod val="75000"/>
+            </a:schemeClr>
           </a:solidFill>
           <a:ln>
             <a:noFill/>
@@ -3629,7 +3535,7 @@
         </p:nvSpPr>
         <p:spPr>
           <a:xfrm>
-            <a:off x="0" y="0"/>
+            <a:off x="0" y="-27454"/>
             <a:ext cx="9164782" cy="5143500"/>
           </a:xfrm>
           <a:custGeom>
@@ -3679,7 +3585,7 @@
         </p:nvSpPr>
         <p:spPr>
           <a:xfrm rot="1604668">
-            <a:off x="5441169" y="1505238"/>
+            <a:off x="4952665" y="1238612"/>
             <a:ext cx="1029663" cy="166712"/>
           </a:xfrm>
           <a:prstGeom prst="rect">
@@ -3708,17 +3614,27 @@
                 <a:latin typeface="Montserrat Medium" panose="00000600000000000000" pitchFamily="2" charset="0"/>
                 <a:cs typeface="Gill Sans MT"/>
               </a:rPr>
-              <a:t>1  </a:t>
-            </a:r>
-            <a:r>
-              <a:rPr sz="1000" spc="30" dirty="0">
+              <a:t>1  r</a:t>
+            </a:r>
+            <a:r>
+              <a:rPr sz="1000" spc="30" dirty="0" err="1">
                 <a:solidFill>
                   <a:srgbClr val="595959"/>
                 </a:solidFill>
                 <a:latin typeface="Montserrat Medium" panose="00000600000000000000" pitchFamily="2" charset="0"/>
                 <a:cs typeface="Gill Sans MT"/>
               </a:rPr>
-              <a:t>redirect</a:t>
+              <a:t>edirect</a:t>
+            </a:r>
+            <a:r>
+              <a:rPr lang="it-IT" sz="1000" spc="30" dirty="0">
+                <a:solidFill>
+                  <a:srgbClr val="595959"/>
+                </a:solidFill>
+                <a:latin typeface="Montserrat Medium" panose="00000600000000000000" pitchFamily="2" charset="0"/>
+                <a:cs typeface="Gill Sans MT"/>
+              </a:rPr>
+              <a:t> </a:t>
             </a:r>
             <a:r>
               <a:rPr sz="1000" spc="-145" dirty="0">
@@ -3749,89 +3665,13 @@
       </p:sp>
       <p:sp>
         <p:nvSpPr>
-          <p:cNvPr id="18" name="object 18"/>
-          <p:cNvSpPr txBox="1"/>
-          <p:nvPr/>
-        </p:nvSpPr>
-        <p:spPr>
-          <a:xfrm rot="1563216">
-            <a:off x="5224003" y="1828523"/>
-            <a:ext cx="1792829" cy="166712"/>
-          </a:xfrm>
-          <a:prstGeom prst="rect">
-            <a:avLst/>
-          </a:prstGeom>
-        </p:spPr>
-        <p:txBody>
-          <a:bodyPr vert="horz" wrap="square" lIns="0" tIns="12700" rIns="0" bIns="0" rtlCol="0">
-            <a:spAutoFit/>
-          </a:bodyPr>
-          <a:lstStyle/>
-          <a:p>
-            <a:pPr marL="344805" marR="5080" indent="-332740">
-              <a:lnSpc>
-                <a:spcPct val="100000"/>
-              </a:lnSpc>
-              <a:spcBef>
-                <a:spcPts val="100"/>
-              </a:spcBef>
-            </a:pPr>
-            <a:r>
-              <a:rPr sz="1000" spc="450" dirty="0">
-                <a:solidFill>
-                  <a:srgbClr val="595959"/>
-                </a:solidFill>
-                <a:latin typeface="Montserrat Medium" panose="00000600000000000000" pitchFamily="2" charset="0"/>
-                <a:cs typeface="Lucida Sans Unicode"/>
-              </a:rPr>
-              <a:t>◀</a:t>
-            </a:r>
-            <a:r>
-              <a:rPr lang="it-IT" sz="1000" spc="450" dirty="0">
-                <a:solidFill>
-                  <a:srgbClr val="595959"/>
-                </a:solidFill>
-                <a:latin typeface="Montserrat Medium" panose="00000600000000000000" pitchFamily="2" charset="0"/>
-                <a:cs typeface="Lucida Sans Unicode"/>
-              </a:rPr>
-              <a:t>2</a:t>
-            </a:r>
-            <a:r>
-              <a:rPr sz="1000" spc="-155" dirty="0">
-                <a:solidFill>
-                  <a:srgbClr val="595959"/>
-                </a:solidFill>
-                <a:latin typeface="Montserrat Medium" panose="00000600000000000000" pitchFamily="2" charset="0"/>
-                <a:cs typeface="Lucida Sans Unicode"/>
-              </a:rPr>
-              <a:t> </a:t>
-            </a:r>
-            <a:r>
-              <a:rPr sz="1000" spc="25" dirty="0">
-                <a:solidFill>
-                  <a:srgbClr val="595959"/>
-                </a:solidFill>
-                <a:latin typeface="Montserrat Medium" panose="00000600000000000000" pitchFamily="2" charset="0"/>
-                <a:cs typeface="Gill Sans MT"/>
-              </a:rPr>
-              <a:t>redirect</a:t>
-            </a:r>
-            <a:endParaRPr sz="1000" dirty="0">
-              <a:latin typeface="Montserrat Medium" panose="00000600000000000000" pitchFamily="2" charset="0"/>
-              <a:cs typeface="Gill Sans MT"/>
-            </a:endParaRPr>
-          </a:p>
-        </p:txBody>
-      </p:sp>
-      <p:sp>
-        <p:nvSpPr>
           <p:cNvPr id="24" name="object 24"/>
           <p:cNvSpPr txBox="1"/>
           <p:nvPr/>
         </p:nvSpPr>
         <p:spPr>
           <a:xfrm rot="20471066">
-            <a:off x="1776656" y="1608942"/>
+            <a:off x="952034" y="1710541"/>
             <a:ext cx="1346247" cy="166712"/>
           </a:xfrm>
           <a:prstGeom prst="rect">
@@ -3870,37 +3710,17 @@
                 <a:latin typeface="Montserrat Medium" panose="00000600000000000000" pitchFamily="2" charset="0"/>
                 <a:cs typeface="Gill Sans MT"/>
               </a:rPr>
-              <a:t>SpotiX</a:t>
-            </a:r>
-            <a:r>
-              <a:rPr sz="1000" spc="-110" dirty="0">
+              <a:t>redirect</a:t>
+            </a:r>
+            <a:r>
+              <a:rPr lang="it-IT" sz="1000" spc="45" dirty="0">
                 <a:solidFill>
                   <a:srgbClr val="595959"/>
                 </a:solidFill>
                 <a:latin typeface="Montserrat Medium" panose="00000600000000000000" pitchFamily="2" charset="0"/>
                 <a:cs typeface="Gill Sans MT"/>
               </a:rPr>
-              <a:t> </a:t>
-            </a:r>
-            <a:r>
-              <a:rPr sz="1000" spc="35" dirty="0">
-                <a:solidFill>
-                  <a:srgbClr val="595959"/>
-                </a:solidFill>
-                <a:latin typeface="Montserrat Medium" panose="00000600000000000000" pitchFamily="2" charset="0"/>
-                <a:cs typeface="Gill Sans MT"/>
-              </a:rPr>
-              <a:t>user</a:t>
-            </a:r>
-            <a:r>
-              <a:rPr sz="1000" spc="-114" dirty="0">
-                <a:solidFill>
-                  <a:srgbClr val="595959"/>
-                </a:solidFill>
-                <a:latin typeface="Montserrat Medium" panose="00000600000000000000" pitchFamily="2" charset="0"/>
-                <a:cs typeface="Gill Sans MT"/>
-              </a:rPr>
-              <a:t> </a:t>
+              <a:t>  </a:t>
             </a:r>
             <a:r>
               <a:rPr sz="1000" spc="450" dirty="0">
@@ -3993,7 +3813,7 @@
         </p:nvSpPr>
         <p:spPr>
           <a:xfrm>
-            <a:off x="2386199" y="2834620"/>
+            <a:off x="2348369" y="2848540"/>
             <a:ext cx="1435782" cy="166712"/>
           </a:xfrm>
           <a:prstGeom prst="rect">
@@ -4185,7 +4005,7 @@
           <p:nvPr/>
         </p:nvPicPr>
         <p:blipFill>
-          <a:blip r:embed="rId2" cstate="print">
+          <a:blip r:embed="rId3" cstate="print">
             <a:extLst>
               <a:ext uri="{28A0092B-C50C-407E-A947-70E740481C1C}">
                 <a14:useLocalDpi xmlns:a14="http://schemas.microsoft.com/office/drawing/2010/main" val="0"/>
@@ -4231,7 +4051,7 @@
         </p:nvSpPr>
         <p:spPr>
           <a:xfrm>
-            <a:off x="582382" y="360350"/>
+            <a:off x="280470" y="184461"/>
             <a:ext cx="1946876" cy="289823"/>
           </a:xfrm>
           <a:prstGeom prst="rect">
@@ -4269,51 +4089,6 @@
           </a:p>
         </p:txBody>
       </p:sp>
-      <p:cxnSp>
-        <p:nvCxnSpPr>
-          <p:cNvPr id="76" name="Connettore 2 75">
-            <a:extLst>
-              <a:ext uri="{FF2B5EF4-FFF2-40B4-BE49-F238E27FC236}">
-                <a16:creationId xmlns:a16="http://schemas.microsoft.com/office/drawing/2014/main" id="{10DB402C-8E48-4645-AF13-D1547DE69248}"/>
-              </a:ext>
-            </a:extLst>
-          </p:cNvPr>
-          <p:cNvCxnSpPr>
-            <a:cxnSpLocks/>
-          </p:cNvCxnSpPr>
-          <p:nvPr/>
-        </p:nvCxnSpPr>
-        <p:spPr>
-          <a:xfrm flipV="1">
-            <a:off x="849612" y="1231886"/>
-            <a:ext cx="2609015" cy="879911"/>
-          </a:xfrm>
-          <a:prstGeom prst="straightConnector1">
-            <a:avLst/>
-          </a:prstGeom>
-          <a:ln>
-            <a:solidFill>
-              <a:schemeClr val="tx1"/>
-            </a:solidFill>
-            <a:headEnd type="triangle"/>
-            <a:tailEnd type="triangle"/>
-          </a:ln>
-        </p:spPr>
-        <p:style>
-          <a:lnRef idx="1">
-            <a:schemeClr val="accent1"/>
-          </a:lnRef>
-          <a:fillRef idx="0">
-            <a:schemeClr val="accent1"/>
-          </a:fillRef>
-          <a:effectRef idx="0">
-            <a:schemeClr val="accent1"/>
-          </a:effectRef>
-          <a:fontRef idx="minor">
-            <a:schemeClr val="tx1"/>
-          </a:fontRef>
-        </p:style>
-      </p:cxnSp>
       <p:cxnSp>
         <p:nvCxnSpPr>
           <p:cNvPr id="77" name="Connettore 2 76">
@@ -4332,51 +4107,6 @@
           <a:xfrm>
             <a:off x="2211996" y="3044915"/>
             <a:ext cx="4646004" cy="0"/>
-          </a:xfrm>
-          <a:prstGeom prst="straightConnector1">
-            <a:avLst/>
-          </a:prstGeom>
-          <a:ln>
-            <a:solidFill>
-              <a:schemeClr val="tx1"/>
-            </a:solidFill>
-            <a:headEnd type="triangle"/>
-            <a:tailEnd type="triangle"/>
-          </a:ln>
-        </p:spPr>
-        <p:style>
-          <a:lnRef idx="1">
-            <a:schemeClr val="accent1"/>
-          </a:lnRef>
-          <a:fillRef idx="0">
-            <a:schemeClr val="accent1"/>
-          </a:fillRef>
-          <a:effectRef idx="0">
-            <a:schemeClr val="accent1"/>
-          </a:effectRef>
-          <a:fontRef idx="minor">
-            <a:schemeClr val="tx1"/>
-          </a:fontRef>
-        </p:style>
-      </p:cxnSp>
-      <p:cxnSp>
-        <p:nvCxnSpPr>
-          <p:cNvPr id="81" name="Connettore 2 80">
-            <a:extLst>
-              <a:ext uri="{FF2B5EF4-FFF2-40B4-BE49-F238E27FC236}">
-                <a16:creationId xmlns:a16="http://schemas.microsoft.com/office/drawing/2014/main" id="{9D5F7D45-7663-493F-873B-A0C131A319C7}"/>
-              </a:ext>
-            </a:extLst>
-          </p:cNvPr>
-          <p:cNvCxnSpPr>
-            <a:cxnSpLocks/>
-          </p:cNvCxnSpPr>
-          <p:nvPr/>
-        </p:nvCxnSpPr>
-        <p:spPr>
-          <a:xfrm>
-            <a:off x="4876800" y="1171720"/>
-            <a:ext cx="1899520" cy="937203"/>
           </a:xfrm>
           <a:prstGeom prst="straightConnector1">
             <a:avLst/>
@@ -4533,7 +4263,9 @@
             <a:avLst/>
           </a:prstGeom>
           <a:solidFill>
-            <a:srgbClr val="780E0E"/>
+            <a:schemeClr val="accent1">
+              <a:lumMod val="75000"/>
+            </a:schemeClr>
           </a:solidFill>
           <a:ln>
             <a:noFill/>
@@ -4616,51 +4348,6 @@
           </a:p>
         </p:txBody>
       </p:sp>
-      <p:cxnSp>
-        <p:nvCxnSpPr>
-          <p:cNvPr id="92" name="Connettore 2 91">
-            <a:extLst>
-              <a:ext uri="{FF2B5EF4-FFF2-40B4-BE49-F238E27FC236}">
-                <a16:creationId xmlns:a16="http://schemas.microsoft.com/office/drawing/2014/main" id="{0E9C3200-1001-4017-9D3B-B2800BAABAF1}"/>
-              </a:ext>
-            </a:extLst>
-          </p:cNvPr>
-          <p:cNvCxnSpPr>
-            <a:cxnSpLocks/>
-          </p:cNvCxnSpPr>
-          <p:nvPr/>
-        </p:nvCxnSpPr>
-        <p:spPr>
-          <a:xfrm>
-            <a:off x="2211996" y="2383355"/>
-            <a:ext cx="4646004" cy="0"/>
-          </a:xfrm>
-          <a:prstGeom prst="straightConnector1">
-            <a:avLst/>
-          </a:prstGeom>
-          <a:ln>
-            <a:solidFill>
-              <a:schemeClr val="tx1"/>
-            </a:solidFill>
-            <a:headEnd type="triangle"/>
-            <a:tailEnd type="triangle"/>
-          </a:ln>
-        </p:spPr>
-        <p:style>
-          <a:lnRef idx="1">
-            <a:schemeClr val="accent1"/>
-          </a:lnRef>
-          <a:fillRef idx="0">
-            <a:schemeClr val="accent1"/>
-          </a:fillRef>
-          <a:effectRef idx="0">
-            <a:schemeClr val="accent1"/>
-          </a:effectRef>
-          <a:fontRef idx="minor">
-            <a:schemeClr val="tx1"/>
-          </a:fontRef>
-        </p:style>
-      </p:cxnSp>
       <p:sp>
         <p:nvSpPr>
           <p:cNvPr id="89" name="object 27">
@@ -4675,7 +4362,7 @@
         </p:nvSpPr>
         <p:spPr>
           <a:xfrm>
-            <a:off x="3673818" y="2216643"/>
+            <a:off x="5648713" y="2190559"/>
             <a:ext cx="1144390" cy="166712"/>
           </a:xfrm>
           <a:prstGeom prst="rect">
@@ -4935,8 +4622,8 @@
           <p:nvPr/>
         </p:nvSpPr>
         <p:spPr>
-          <a:xfrm rot="2090646">
-            <a:off x="1602282" y="4042849"/>
+          <a:xfrm rot="1984782">
+            <a:off x="1668165" y="4055972"/>
             <a:ext cx="1435782" cy="166712"/>
           </a:xfrm>
           <a:prstGeom prst="rect">
@@ -4966,7 +4653,7 @@
                 <a:cs typeface="Gill Sans MT"/>
                 <a:sym typeface="Wingdings" panose="05000000000000000000" pitchFamily="2" charset="2"/>
               </a:rPr>
-              <a:t></a:t>
+              <a:t>5 user data</a:t>
             </a:r>
             <a:r>
               <a:rPr lang="it-IT" sz="1000" dirty="0">
@@ -4992,6 +4679,127 @@
           </a:p>
         </p:txBody>
       </p:sp>
+      <p:cxnSp>
+        <p:nvCxnSpPr>
+          <p:cNvPr id="5" name="Connettore 2 4">
+            <a:extLst>
+              <a:ext uri="{FF2B5EF4-FFF2-40B4-BE49-F238E27FC236}">
+                <a16:creationId xmlns:a16="http://schemas.microsoft.com/office/drawing/2014/main" id="{A2AB06A5-07D9-44D4-BFA1-2CA958FD74D7}"/>
+              </a:ext>
+            </a:extLst>
+          </p:cNvPr>
+          <p:cNvCxnSpPr/>
+          <p:nvPr/>
+        </p:nvCxnSpPr>
+        <p:spPr>
+          <a:xfrm>
+            <a:off x="4932874" y="1168486"/>
+            <a:ext cx="1899520" cy="908086"/>
+          </a:xfrm>
+          <a:prstGeom prst="straightConnector1">
+            <a:avLst/>
+          </a:prstGeom>
+          <a:ln>
+            <a:tailEnd type="triangle"/>
+          </a:ln>
+        </p:spPr>
+        <p:style>
+          <a:lnRef idx="1">
+            <a:schemeClr val="dk1"/>
+          </a:lnRef>
+          <a:fillRef idx="0">
+            <a:schemeClr val="dk1"/>
+          </a:fillRef>
+          <a:effectRef idx="0">
+            <a:schemeClr val="dk1"/>
+          </a:effectRef>
+          <a:fontRef idx="minor">
+            <a:schemeClr val="tx1"/>
+          </a:fontRef>
+        </p:style>
+      </p:cxnSp>
+      <p:cxnSp>
+        <p:nvCxnSpPr>
+          <p:cNvPr id="28" name="Connettore 2 27">
+            <a:extLst>
+              <a:ext uri="{FF2B5EF4-FFF2-40B4-BE49-F238E27FC236}">
+                <a16:creationId xmlns:a16="http://schemas.microsoft.com/office/drawing/2014/main" id="{0CEDC5A2-78E0-4C5C-A5A5-98CA50EC0DB3}"/>
+              </a:ext>
+            </a:extLst>
+          </p:cNvPr>
+          <p:cNvCxnSpPr>
+            <a:cxnSpLocks/>
+          </p:cNvCxnSpPr>
+          <p:nvPr/>
+        </p:nvCxnSpPr>
+        <p:spPr>
+          <a:xfrm flipH="1">
+            <a:off x="2211996" y="2357271"/>
+            <a:ext cx="4615727" cy="0"/>
+          </a:xfrm>
+          <a:prstGeom prst="straightConnector1">
+            <a:avLst/>
+          </a:prstGeom>
+          <a:ln>
+            <a:tailEnd type="triangle"/>
+          </a:ln>
+        </p:spPr>
+        <p:style>
+          <a:lnRef idx="1">
+            <a:schemeClr val="dk1"/>
+          </a:lnRef>
+          <a:fillRef idx="0">
+            <a:schemeClr val="dk1"/>
+          </a:fillRef>
+          <a:effectRef idx="0">
+            <a:schemeClr val="dk1"/>
+          </a:effectRef>
+          <a:fontRef idx="minor">
+            <a:schemeClr val="tx1"/>
+          </a:fontRef>
+        </p:style>
+      </p:cxnSp>
+      <p:cxnSp>
+        <p:nvCxnSpPr>
+          <p:cNvPr id="31" name="Connettore 2 30">
+            <a:extLst>
+              <a:ext uri="{FF2B5EF4-FFF2-40B4-BE49-F238E27FC236}">
+                <a16:creationId xmlns:a16="http://schemas.microsoft.com/office/drawing/2014/main" id="{FD5EB396-3181-48A8-A41E-6353C7A08ED2}"/>
+              </a:ext>
+            </a:extLst>
+          </p:cNvPr>
+          <p:cNvCxnSpPr>
+            <a:cxnSpLocks/>
+          </p:cNvCxnSpPr>
+          <p:nvPr/>
+        </p:nvCxnSpPr>
+        <p:spPr>
+          <a:xfrm flipV="1">
+            <a:off x="957882" y="1277348"/>
+            <a:ext cx="2471118" cy="862913"/>
+          </a:xfrm>
+          <a:prstGeom prst="straightConnector1">
+            <a:avLst/>
+          </a:prstGeom>
+          <a:ln>
+            <a:tailEnd type="triangle"/>
+          </a:ln>
+        </p:spPr>
+        <p:style>
+          <a:lnRef idx="1">
+            <a:schemeClr val="dk1"/>
+          </a:lnRef>
+          <a:fillRef idx="0">
+            <a:schemeClr val="dk1"/>
+          </a:fillRef>
+          <a:effectRef idx="0">
+            <a:schemeClr val="dk1"/>
+          </a:effectRef>
+          <a:fontRef idx="minor">
+            <a:schemeClr val="tx1"/>
+          </a:fontRef>
+        </p:style>
+      </p:cxnSp>
     </p:spTree>
   </p:cSld>
   <p:clrMapOvr>
@@ -5031,7 +4839,7 @@
         </p:nvSpPr>
         <p:spPr>
           <a:xfrm>
-            <a:off x="0" y="0"/>
+            <a:off x="-20782" y="0"/>
             <a:ext cx="9164782" cy="5143500"/>
           </a:xfrm>
           <a:custGeom>
@@ -5378,7 +5186,7 @@
         </p:nvSpPr>
         <p:spPr>
           <a:xfrm>
-            <a:off x="546031" y="328759"/>
+            <a:off x="219844" y="185412"/>
             <a:ext cx="1946876" cy="566822"/>
           </a:xfrm>
           <a:prstGeom prst="rect">
@@ -5423,7 +5231,7 @@
                 <a:ea typeface="+mn-ea"/>
                 <a:cs typeface="Gill Sans MT"/>
               </a:rPr>
-              <a:t>Richieste a </a:t>
+              <a:t>Richieste a risorse </a:t>
             </a:r>
             <a:r>
               <a:rPr kumimoji="0" lang="it-IT" sz="1800" b="1" i="0" u="none" strike="noStrike" kern="1200" cap="none" spc="50" normalizeH="0" baseline="0" noProof="0" dirty="0" err="1">
@@ -5740,7 +5548,9 @@
             <a:avLst/>
           </a:prstGeom>
           <a:solidFill>
-            <a:srgbClr val="780E0E"/>
+            <a:schemeClr val="accent1">
+              <a:lumMod val="75000"/>
+            </a:schemeClr>
           </a:solidFill>
           <a:ln>
             <a:noFill/>
@@ -6033,10 +5843,7 @@
             <a:avLst/>
           </a:prstGeom>
           <a:solidFill>
-            <a:schemeClr val="accent6">
-              <a:lumMod val="40000"/>
-              <a:lumOff val="60000"/>
-            </a:schemeClr>
+            <a:srgbClr val="780E0E"/>
           </a:solidFill>
           <a:ln>
             <a:noFill/>
@@ -6105,10 +5912,7 @@
             <a:r>
               <a:rPr sz="1400" spc="-5" dirty="0">
                 <a:solidFill>
-                  <a:schemeClr val="tx1">
-                    <a:lumMod val="65000"/>
-                    <a:lumOff val="35000"/>
-                  </a:schemeClr>
+                  <a:schemeClr val="bg1"/>
                 </a:solidFill>
                 <a:latin typeface="Montserrat Medium" panose="00000600000000000000" pitchFamily="2" charset="0"/>
                 <a:cs typeface="Arial"/>
@@ -6118,10 +5922,7 @@
             <a:r>
               <a:rPr lang="it-IT" sz="1400" spc="-5" dirty="0" err="1">
                 <a:solidFill>
-                  <a:schemeClr val="tx1">
-                    <a:lumMod val="65000"/>
-                    <a:lumOff val="35000"/>
-                  </a:schemeClr>
+                  <a:schemeClr val="bg1"/>
                 </a:solidFill>
                 <a:latin typeface="Montserrat Medium" panose="00000600000000000000" pitchFamily="2" charset="0"/>
                 <a:cs typeface="Arial"/>
@@ -6130,10 +5931,7 @@
             </a:r>
             <a:endParaRPr sz="1400" dirty="0">
               <a:solidFill>
-                <a:schemeClr val="tx1">
-                  <a:lumMod val="65000"/>
-                  <a:lumOff val="35000"/>
-                </a:schemeClr>
+                <a:schemeClr val="bg1"/>
               </a:solidFill>
               <a:latin typeface="Montserrat Medium" panose="00000600000000000000" pitchFamily="2" charset="0"/>
               <a:cs typeface="Arial"/>
@@ -6254,41 +6052,7 @@
                 <a:ea typeface="+mn-ea"/>
                 <a:cs typeface="Gill Sans MT"/>
               </a:rPr>
-              <a:t>  </a:t>
-            </a:r>
-            <a:r>
-              <a:rPr kumimoji="0" lang="it-IT" sz="1000" b="0" i="0" u="none" strike="noStrike" kern="1200" cap="none" spc="45" normalizeH="0" baseline="0" noProof="0" dirty="0" err="1">
-                <a:ln>
-                  <a:noFill/>
-                </a:ln>
-                <a:solidFill>
-                  <a:srgbClr val="595959"/>
-                </a:solidFill>
-                <a:effectLst/>
-                <a:uLnTx/>
-                <a:uFillTx/>
-                <a:latin typeface="Montserrat Medium" panose="00000600000000000000" pitchFamily="2" charset="0"/>
-                <a:ea typeface="+mn-ea"/>
-                <a:cs typeface="Gill Sans MT"/>
-              </a:rPr>
-              <a:t>Request</a:t>
-            </a:r>
-            <a:r>
-              <a:rPr kumimoji="0" lang="it-IT" sz="1000" b="0" i="0" u="none" strike="noStrike" kern="1200" cap="none" spc="45" normalizeH="0" baseline="0" noProof="0" dirty="0">
-                <a:ln>
-                  <a:noFill/>
-                </a:ln>
-                <a:solidFill>
-                  <a:srgbClr val="595959"/>
-                </a:solidFill>
-                <a:effectLst/>
-                <a:uLnTx/>
-                <a:uFillTx/>
-                <a:latin typeface="Montserrat Medium" panose="00000600000000000000" pitchFamily="2" charset="0"/>
-                <a:ea typeface="+mn-ea"/>
-                <a:cs typeface="Gill Sans MT"/>
-              </a:rPr>
-              <a:t> http://localhost:8888/...</a:t>
+              <a:t>  GET http://localhost:8888/...</a:t>
             </a:r>
             <a:endParaRPr kumimoji="0" sz="1000" b="0" i="0" u="none" strike="noStrike" kern="1200" cap="none" spc="0" normalizeH="0" baseline="0" noProof="0" dirty="0">
               <a:ln>
@@ -6394,8 +6158,8 @@
           <p:nvPr/>
         </p:nvSpPr>
         <p:spPr>
-          <a:xfrm rot="1277033">
-            <a:off x="2136946" y="4028982"/>
+          <a:xfrm rot="1214456">
+            <a:off x="2151849" y="4006100"/>
             <a:ext cx="4080303" cy="166712"/>
           </a:xfrm>
           <a:prstGeom prst="rect">
@@ -6849,7 +6613,7 @@
         </p:nvSpPr>
         <p:spPr>
           <a:xfrm>
-            <a:off x="6963827" y="1662625"/>
+            <a:off x="7326178" y="1662625"/>
             <a:ext cx="1716933" cy="1723620"/>
           </a:xfrm>
           <a:prstGeom prst="rect">
@@ -6945,7 +6709,7 @@
         </p:blipFill>
         <p:spPr bwMode="auto">
           <a:xfrm>
-            <a:off x="7062498" y="2336787"/>
+            <a:off x="7424849" y="2336787"/>
             <a:ext cx="1519589" cy="455613"/>
           </a:xfrm>
           <a:prstGeom prst="rect">
@@ -6977,7 +6741,7 @@
         </p:nvSpPr>
         <p:spPr>
           <a:xfrm>
-            <a:off x="500361" y="420624"/>
+            <a:off x="344966" y="224796"/>
             <a:ext cx="1946876" cy="566822"/>
           </a:xfrm>
           <a:prstGeom prst="rect">
@@ -7120,7 +6884,7 @@
         <p:spPr>
           <a:xfrm>
             <a:off x="2248998" y="2448734"/>
-            <a:ext cx="4646004" cy="0"/>
+            <a:ext cx="5077180" cy="0"/>
           </a:xfrm>
           <a:prstGeom prst="straightConnector1">
             <a:avLst/>
@@ -7479,87 +7243,6 @@
       </p:sp>
       <p:sp>
         <p:nvSpPr>
-          <p:cNvPr id="89" name="object 27">
-            <a:extLst>
-              <a:ext uri="{FF2B5EF4-FFF2-40B4-BE49-F238E27FC236}">
-                <a16:creationId xmlns:a16="http://schemas.microsoft.com/office/drawing/2014/main" id="{9DCDFAE5-2FD0-4A07-8ECC-0A81DE0CF19D}"/>
-              </a:ext>
-            </a:extLst>
-          </p:cNvPr>
-          <p:cNvSpPr txBox="1"/>
-          <p:nvPr/>
-        </p:nvSpPr>
-        <p:spPr>
-          <a:xfrm>
-            <a:off x="2370281" y="2234837"/>
-            <a:ext cx="4080303" cy="166712"/>
-          </a:xfrm>
-          <a:prstGeom prst="rect">
-            <a:avLst/>
-          </a:prstGeom>
-        </p:spPr>
-        <p:txBody>
-          <a:bodyPr vert="horz" wrap="square" lIns="0" tIns="12700" rIns="0" bIns="0" rtlCol="0">
-            <a:spAutoFit/>
-          </a:bodyPr>
-          <a:lstStyle/>
-          <a:p>
-            <a:pPr marL="12700" marR="0" lvl="0" indent="0" algn="l" defTabSz="914400" rtl="0" eaLnBrk="1" fontAlgn="auto" latinLnBrk="0" hangingPunct="1">
-              <a:lnSpc>
-                <a:spcPct val="100000"/>
-              </a:lnSpc>
-              <a:spcBef>
-                <a:spcPts val="100"/>
-              </a:spcBef>
-              <a:spcAft>
-                <a:spcPts val="0"/>
-              </a:spcAft>
-              <a:buClrTx/>
-              <a:buSzTx/>
-              <a:buFontTx/>
-              <a:buNone/>
-              <a:tabLst/>
-              <a:defRPr/>
-            </a:pPr>
-            <a:r>
-              <a:rPr kumimoji="0" lang="it-IT" sz="1000" b="0" i="0" u="none" strike="noStrike" kern="1200" cap="none" spc="450" normalizeH="0" baseline="0" noProof="0" dirty="0">
-                <a:ln>
-                  <a:noFill/>
-                </a:ln>
-                <a:solidFill>
-                  <a:srgbClr val="595959"/>
-                </a:solidFill>
-                <a:effectLst/>
-                <a:uLnTx/>
-                <a:uFillTx/>
-                <a:latin typeface="Montserrat Medium" panose="00000600000000000000" pitchFamily="2" charset="0"/>
-                <a:ea typeface="+mn-ea"/>
-                <a:cs typeface="Lucida Sans Unicode"/>
-              </a:rPr>
-              <a:t>2▶</a:t>
-            </a:r>
-            <a:endParaRPr kumimoji="0" lang="it-IT" sz="1000" b="0" i="0" u="none" strike="noStrike" kern="1200" cap="none" spc="0" normalizeH="0" baseline="0" noProof="0" dirty="0">
-              <a:ln>
-                <a:noFill/>
-              </a:ln>
-              <a:solidFill>
-                <a:prstClr val="black">
-                  <a:lumMod val="65000"/>
-                  <a:lumOff val="35000"/>
-                </a:prstClr>
-              </a:solidFill>
-              <a:effectLst/>
-              <a:uLnTx/>
-              <a:uFillTx/>
-              <a:latin typeface="Montserrat Medium" panose="00000600000000000000" pitchFamily="2" charset="0"/>
-              <a:ea typeface="+mn-ea"/>
-              <a:cs typeface="+mn-cs"/>
-            </a:endParaRPr>
-          </a:p>
-        </p:txBody>
-      </p:sp>
-      <p:sp>
-        <p:nvSpPr>
           <p:cNvPr id="2" name="object 24">
             <a:extLst>
               <a:ext uri="{FF2B5EF4-FFF2-40B4-BE49-F238E27FC236}">
@@ -7572,7 +7255,7 @@
         </p:nvSpPr>
         <p:spPr>
           <a:xfrm rot="20471066">
-            <a:off x="2989430" y="425192"/>
+            <a:off x="1264021" y="1004973"/>
             <a:ext cx="2740652" cy="166712"/>
           </a:xfrm>
           <a:prstGeom prst="rect">
@@ -7585,21 +7268,10 @@
           </a:bodyPr>
           <a:lstStyle/>
           <a:p>
-            <a:pPr marL="12700" marR="0" lvl="0" indent="0" algn="l" defTabSz="914400" rtl="0" eaLnBrk="1" fontAlgn="auto" latinLnBrk="0" hangingPunct="1">
-              <a:lnSpc>
-                <a:spcPct val="100000"/>
-              </a:lnSpc>
+            <a:pPr marL="12700" lvl="0">
               <a:spcBef>
                 <a:spcPts val="100"/>
               </a:spcBef>
-              <a:spcAft>
-                <a:spcPts val="0"/>
-              </a:spcAft>
-              <a:buClrTx/>
-              <a:buSzTx/>
-              <a:buFontTx/>
-              <a:buNone/>
-              <a:tabLst/>
               <a:defRPr/>
             </a:pPr>
             <a:r>
@@ -7634,7 +7306,17 @@
                 <a:ea typeface="+mn-ea"/>
                 <a:cs typeface="Lucida Sans Unicode"/>
               </a:rPr>
-              <a:t>1</a:t>
+              <a:t>1 </a:t>
+            </a:r>
+            <a:r>
+              <a:rPr lang="it-IT" sz="1000" spc="45" dirty="0">
+                <a:solidFill>
+                  <a:srgbClr val="595959"/>
+                </a:solidFill>
+                <a:latin typeface="Montserrat Medium" panose="00000600000000000000" pitchFamily="2" charset="0"/>
+                <a:cs typeface="Gill Sans MT"/>
+              </a:rPr>
+              <a:t>GET http://localhost:8888/...</a:t>
             </a:r>
             <a:endParaRPr kumimoji="0" sz="1000" b="0" i="0" u="none" strike="noStrike" kern="1200" cap="none" spc="0" normalizeH="0" baseline="0" noProof="0" dirty="0">
               <a:ln>
@@ -7667,7 +7349,7 @@
         </p:nvSpPr>
         <p:spPr>
           <a:xfrm>
-            <a:off x="6268088" y="2466592"/>
+            <a:off x="6208246" y="2448734"/>
             <a:ext cx="1769789" cy="246221"/>
           </a:xfrm>
           <a:prstGeom prst="rect">
@@ -7753,7 +7435,47 @@
                 <a:ea typeface="+mn-ea"/>
                 <a:cs typeface="+mn-cs"/>
               </a:rPr>
-              <a:t>{id}</a:t>
+              <a:t>{</a:t>
+            </a:r>
+            <a:r>
+              <a:rPr kumimoji="0" lang="it-IT" sz="1000" i="0" u="none" strike="noStrike" kern="1200" cap="none" spc="0" normalizeH="0" baseline="0" noProof="0" dirty="0" err="1">
+                <a:ln>
+                  <a:noFill/>
+                </a:ln>
+                <a:solidFill>
+                  <a:prstClr val="black">
+                    <a:lumMod val="65000"/>
+                    <a:lumOff val="35000"/>
+                  </a:prstClr>
+                </a:solidFill>
+                <a:effectLst/>
+                <a:uLnTx/>
+                <a:uFillTx/>
+                <a:latin typeface="Montserrat Medium" panose="00000600000000000000" pitchFamily="2" charset="0"/>
+                <a:ea typeface="+mn-ea"/>
+                <a:cs typeface="+mn-cs"/>
+              </a:rPr>
+              <a:t>song</a:t>
+            </a:r>
+            <a:r>
+              <a:rPr kumimoji="0" lang="it-IT" sz="1000" i="0" u="none" strike="noStrike" kern="1200" cap="none" spc="0" normalizeH="0" baseline="0" noProof="0" dirty="0">
+                <a:ln>
+                  <a:noFill/>
+                </a:ln>
+                <a:solidFill>
+                  <a:prstClr val="black">
+                    <a:lumMod val="65000"/>
+                    <a:lumOff val="35000"/>
+                  </a:prstClr>
+                </a:solidFill>
+                <a:effectLst/>
+                <a:uLnTx/>
+                <a:uFillTx/>
+                <a:latin typeface="Montserrat Medium" panose="00000600000000000000" pitchFamily="2" charset="0"/>
+                <a:ea typeface="+mn-ea"/>
+                <a:cs typeface="+mn-cs"/>
+              </a:rPr>
+              <a:t> id}</a:t>
             </a:r>
           </a:p>
         </p:txBody>
@@ -7772,7 +7494,7 @@
         </p:nvSpPr>
         <p:spPr>
           <a:xfrm>
-            <a:off x="4124879" y="3317485"/>
+            <a:off x="5164005" y="3239367"/>
             <a:ext cx="1716933" cy="1723620"/>
           </a:xfrm>
           <a:prstGeom prst="rect">
@@ -7871,7 +7593,7 @@
         </p:blipFill>
         <p:spPr bwMode="auto">
           <a:xfrm>
-            <a:off x="4190999" y="4015037"/>
+            <a:off x="5187425" y="3943466"/>
             <a:ext cx="1589667" cy="342772"/>
           </a:xfrm>
           <a:prstGeom prst="rect">
@@ -7905,8 +7627,8 @@
         </p:nvCxnSpPr>
         <p:spPr>
           <a:xfrm>
-            <a:off x="2152708" y="3424621"/>
-            <a:ext cx="1911025" cy="868995"/>
+            <a:off x="852404" y="3451642"/>
+            <a:ext cx="4248133" cy="1025108"/>
           </a:xfrm>
           <a:prstGeom prst="straightConnector1">
             <a:avLst/>
@@ -7947,8 +7669,8 @@
           <p:nvPr/>
         </p:nvSpPr>
         <p:spPr>
-          <a:xfrm rot="1499664">
-            <a:off x="3175192" y="4323227"/>
+          <a:xfrm rot="882569">
+            <a:off x="4302530" y="4523460"/>
             <a:ext cx="1769789" cy="246221"/>
           </a:xfrm>
           <a:prstGeom prst="rect">
@@ -8077,9 +7799,9 @@
           <p:nvPr/>
         </p:nvSpPr>
         <p:spPr>
-          <a:xfrm rot="1407832">
-            <a:off x="2215247" y="3385188"/>
-            <a:ext cx="838200" cy="246221"/>
+          <a:xfrm rot="798510">
+            <a:off x="1220928" y="3781878"/>
+            <a:ext cx="3983314" cy="246221"/>
           </a:xfrm>
           <a:prstGeom prst="rect">
             <a:avLst/>
@@ -8102,7 +7824,31 @@
                 </a:solidFill>
                 <a:latin typeface="Montserrat Medium" panose="00000600000000000000" pitchFamily="2" charset="0"/>
               </a:rPr>
-              <a:t>4 {id}  </a:t>
+              <a:t>4 http://api.musixmatch.com/... + {song.id}  + {</a:t>
+            </a:r>
+            <a:r>
+              <a:rPr lang="it-IT" sz="1000" dirty="0" err="1">
+                <a:solidFill>
+                  <a:schemeClr val="tx1">
+                    <a:lumMod val="65000"/>
+                    <a:lumOff val="35000"/>
+                  </a:schemeClr>
+                </a:solidFill>
+                <a:latin typeface="Montserrat Medium" panose="00000600000000000000" pitchFamily="2" charset="0"/>
+              </a:rPr>
+              <a:t>apiKey</a:t>
+            </a:r>
+            <a:r>
+              <a:rPr lang="it-IT" sz="1000" dirty="0">
+                <a:solidFill>
+                  <a:schemeClr val="tx1">
+                    <a:lumMod val="65000"/>
+                    <a:lumOff val="35000"/>
+                  </a:schemeClr>
+                </a:solidFill>
+                <a:latin typeface="Montserrat Medium" panose="00000600000000000000" pitchFamily="2" charset="0"/>
+              </a:rPr>
+              <a:t>} </a:t>
             </a:r>
             <a:r>
               <a:rPr lang="it-IT" sz="1000" spc="450" dirty="0">
@@ -8122,6 +7868,93 @@
                 </a:schemeClr>
               </a:solidFill>
               <a:latin typeface="Montserrat Medium" panose="00000600000000000000" pitchFamily="2" charset="0"/>
+            </a:endParaRPr>
+          </a:p>
+        </p:txBody>
+      </p:sp>
+      <p:sp>
+        <p:nvSpPr>
+          <p:cNvPr id="4" name="object 24">
+            <a:extLst>
+              <a:ext uri="{FF2B5EF4-FFF2-40B4-BE49-F238E27FC236}">
+                <a16:creationId xmlns:a16="http://schemas.microsoft.com/office/drawing/2014/main" id="{59735E4A-5431-4EC7-A55F-85958D9866BB}"/>
+              </a:ext>
+            </a:extLst>
+          </p:cNvPr>
+          <p:cNvSpPr txBox="1"/>
+          <p:nvPr/>
+        </p:nvSpPr>
+        <p:spPr>
+          <a:xfrm>
+            <a:off x="2291842" y="2211666"/>
+            <a:ext cx="2740652" cy="166712"/>
+          </a:xfrm>
+          <a:prstGeom prst="rect">
+            <a:avLst/>
+          </a:prstGeom>
+        </p:spPr>
+        <p:txBody>
+          <a:bodyPr vert="horz" wrap="square" lIns="0" tIns="12700" rIns="0" bIns="0" rtlCol="0">
+            <a:spAutoFit/>
+          </a:bodyPr>
+          <a:lstStyle/>
+          <a:p>
+            <a:pPr marL="12700" lvl="0">
+              <a:spcBef>
+                <a:spcPts val="100"/>
+              </a:spcBef>
+              <a:defRPr/>
+            </a:pPr>
+            <a:r>
+              <a:rPr kumimoji="0" lang="it-IT" sz="1000" b="1" i="0" u="none" strike="noStrike" kern="1200" cap="none" spc="45" normalizeH="0" baseline="0" noProof="0" dirty="0">
+                <a:ln>
+                  <a:noFill/>
+                </a:ln>
+                <a:solidFill>
+                  <a:srgbClr val="595959"/>
+                </a:solidFill>
+                <a:effectLst/>
+                <a:uLnTx/>
+                <a:uFillTx/>
+                <a:latin typeface="Montserrat Medium" panose="00000600000000000000" pitchFamily="2" charset="0"/>
+                <a:ea typeface="+mn-ea"/>
+                <a:cs typeface="Lucida Sans Unicode"/>
+              </a:rPr>
+              <a:t>1 </a:t>
+            </a:r>
+            <a:r>
+              <a:rPr lang="it-IT" sz="1000" spc="45" dirty="0">
+                <a:solidFill>
+                  <a:srgbClr val="595959"/>
+                </a:solidFill>
+                <a:latin typeface="Montserrat Medium" panose="00000600000000000000" pitchFamily="2" charset="0"/>
+                <a:cs typeface="Gill Sans MT"/>
+              </a:rPr>
+              <a:t>GET http://localhost:8888/... </a:t>
+            </a:r>
+            <a:r>
+              <a:rPr lang="it-IT" sz="1000" spc="450" dirty="0">
+                <a:solidFill>
+                  <a:srgbClr val="595959"/>
+                </a:solidFill>
+                <a:latin typeface="Montserrat Medium" panose="00000600000000000000" pitchFamily="2" charset="0"/>
+                <a:cs typeface="Lucida Sans Unicode"/>
+              </a:rPr>
+              <a:t>▶</a:t>
+            </a:r>
+            <a:endParaRPr kumimoji="0" sz="1000" b="0" i="0" u="none" strike="noStrike" kern="1200" cap="none" spc="0" normalizeH="0" baseline="0" noProof="0" dirty="0">
+              <a:ln>
+                <a:noFill/>
+              </a:ln>
+              <a:solidFill>
+                <a:prstClr val="black"/>
+              </a:solidFill>
+              <a:effectLst/>
+              <a:uLnTx/>
+              <a:uFillTx/>
+              <a:latin typeface="Montserrat Medium" panose="00000600000000000000" pitchFamily="2" charset="0"/>
+              <a:ea typeface="+mn-ea"/>
+              <a:cs typeface="Lucida Sans Unicode"/>
             </a:endParaRPr>
           </a:p>
         </p:txBody>

--- a/SpotiX.pptx
+++ b/SpotiX.pptx
@@ -5,7 +5,7 @@
     <p:sldMasterId id="2147483648" r:id="rId1"/>
   </p:sldMasterIdLst>
   <p:notesMasterIdLst>
-    <p:notesMasterId r:id="rId9"/>
+    <p:notesMasterId r:id="rId10"/>
   </p:notesMasterIdLst>
   <p:sldIdLst>
     <p:sldId id="256" r:id="rId2"/>
@@ -14,7 +14,8 @@
     <p:sldId id="261" r:id="rId5"/>
     <p:sldId id="265" r:id="rId6"/>
     <p:sldId id="266" r:id="rId7"/>
-    <p:sldId id="264" r:id="rId8"/>
+    <p:sldId id="267" r:id="rId8"/>
+    <p:sldId id="264" r:id="rId9"/>
   </p:sldIdLst>
   <p:sldSz cx="9144000" cy="5143500" type="screen16x9"/>
   <p:notesSz cx="9144000" cy="5143500"/>
@@ -214,7 +215,7 @@
           <a:p>
             <a:fld id="{DBCFD7FE-B87F-4438-9EB9-C3403D510082}" type="datetimeFigureOut">
               <a:rPr lang="it-IT" smtClean="0"/>
-              <a:t>15/07/2020</a:t>
+              <a:t>17/07/2020</a:t>
             </a:fld>
             <a:endParaRPr lang="it-IT"/>
           </a:p>
@@ -788,7 +789,7 @@
           <a:p>
             <a:fld id="{1D8BD707-D9CF-40AE-B4C6-C98DA3205C09}" type="datetimeFigureOut">
               <a:rPr lang="en-US"/>
-              <a:t>7/15/2020</a:t>
+              <a:t>7/17/2020</a:t>
             </a:fld>
             <a:endParaRPr lang="en-US"/>
           </a:p>
@@ -959,7 +960,7 @@
           <a:p>
             <a:fld id="{1D8BD707-D9CF-40AE-B4C6-C98DA3205C09}" type="datetimeFigureOut">
               <a:rPr lang="en-US"/>
-              <a:t>7/15/2020</a:t>
+              <a:t>7/17/2020</a:t>
             </a:fld>
             <a:endParaRPr lang="en-US"/>
           </a:p>
@@ -1173,7 +1174,7 @@
           <a:p>
             <a:fld id="{1D8BD707-D9CF-40AE-B4C6-C98DA3205C09}" type="datetimeFigureOut">
               <a:rPr lang="en-US"/>
-              <a:t>7/15/2020</a:t>
+              <a:t>7/17/2020</a:t>
             </a:fld>
             <a:endParaRPr lang="en-US"/>
           </a:p>
@@ -1463,7 +1464,7 @@
           <a:p>
             <a:fld id="{1D8BD707-D9CF-40AE-B4C6-C98DA3205C09}" type="datetimeFigureOut">
               <a:rPr lang="en-US"/>
-              <a:t>7/15/2020</a:t>
+              <a:t>7/17/2020</a:t>
             </a:fld>
             <a:endParaRPr lang="en-US"/>
           </a:p>
@@ -1582,7 +1583,7 @@
           <a:p>
             <a:fld id="{1D8BD707-D9CF-40AE-B4C6-C98DA3205C09}" type="datetimeFigureOut">
               <a:rPr lang="en-US"/>
-              <a:t>7/15/2020</a:t>
+              <a:t>7/17/2020</a:t>
             </a:fld>
             <a:endParaRPr lang="en-US"/>
           </a:p>
@@ -1851,7 +1852,7 @@
           <a:p>
             <a:fld id="{1D8BD707-D9CF-40AE-B4C6-C98DA3205C09}" type="datetimeFigureOut">
               <a:rPr lang="en-US"/>
-              <a:t>7/15/2020</a:t>
+              <a:t>7/17/2020</a:t>
             </a:fld>
             <a:endParaRPr lang="en-US"/>
           </a:p>
@@ -2249,7 +2250,7 @@
         </p:blipFill>
         <p:spPr bwMode="auto">
           <a:xfrm>
-            <a:off x="781841" y="2754055"/>
+            <a:off x="766842" y="2747138"/>
             <a:ext cx="1589667" cy="342772"/>
           </a:xfrm>
           <a:prstGeom prst="rect">
@@ -2296,8 +2297,8 @@
         </p:blipFill>
         <p:spPr bwMode="auto">
           <a:xfrm>
-            <a:off x="816330" y="3290745"/>
-            <a:ext cx="1260360" cy="378327"/>
+            <a:off x="802475" y="3333750"/>
+            <a:ext cx="1162290" cy="348889"/>
           </a:xfrm>
           <a:prstGeom prst="rect">
             <a:avLst/>
@@ -2554,16 +2555,6 @@
               </a:rPr>
               <a:t>Oauth</a:t>
             </a:r>
-            <a:r>
-              <a:rPr lang="it-IT" sz="1300" spc="40" dirty="0">
-                <a:solidFill>
-                  <a:srgbClr val="595959"/>
-                </a:solidFill>
-                <a:latin typeface="Montserrat Medium" panose="00000600000000000000" pitchFamily="2" charset="0"/>
-                <a:cs typeface="Gill Sans MT"/>
-              </a:rPr>
-              <a:t>?</a:t>
-            </a:r>
             <a:endParaRPr sz="1300" dirty="0">
               <a:latin typeface="Montserrat Medium" panose="00000600000000000000" pitchFamily="2" charset="0"/>
               <a:cs typeface="Gill Sans MT"/>
@@ -2592,7 +2583,7 @@
                 <a:latin typeface="Montserrat Medium" panose="00000600000000000000" pitchFamily="2" charset="0"/>
                 <a:cs typeface="Gill Sans MT"/>
               </a:rPr>
-              <a:t>Richieste a </a:t>
+              <a:t>Richieste a risorse </a:t>
             </a:r>
             <a:r>
               <a:rPr lang="it-IT" sz="1300" spc="50" dirty="0" err="1">
@@ -2668,27 +2659,29 @@
               </a:tabLst>
             </a:pPr>
             <a:r>
-              <a:rPr lang="it-IT" sz="1300" spc="55" dirty="0">
+              <a:rPr lang="it-IT" sz="1300" spc="50" dirty="0">
                 <a:solidFill>
                   <a:srgbClr val="595959"/>
                 </a:solidFill>
                 <a:latin typeface="Montserrat Medium" panose="00000600000000000000" pitchFamily="2" charset="0"/>
                 <a:cs typeface="Gill Sans MT"/>
               </a:rPr>
-              <a:t>Siamo delle pippe </a:t>
-            </a:r>
-            <a:r>
-              <a:rPr lang="it-IT" sz="1300" spc="55" dirty="0">
+              <a:t>Chat </a:t>
+            </a:r>
+            <a:r>
+              <a:rPr lang="it-IT" sz="1300" spc="50" dirty="0" err="1">
                 <a:solidFill>
                   <a:srgbClr val="595959"/>
                 </a:solidFill>
                 <a:latin typeface="Montserrat Medium" panose="00000600000000000000" pitchFamily="2" charset="0"/>
                 <a:cs typeface="Gill Sans MT"/>
-                <a:sym typeface="Wingdings" panose="05000000000000000000" pitchFamily="2" charset="2"/>
-              </a:rPr>
-              <a:t></a:t>
-            </a:r>
-            <a:endParaRPr sz="1300" dirty="0">
+              </a:rPr>
+              <a:t>WebSocket</a:t>
+            </a:r>
+            <a:endParaRPr lang="it-IT" sz="1300" spc="50" dirty="0">
+              <a:solidFill>
+                <a:srgbClr val="595959"/>
+              </a:solidFill>
               <a:latin typeface="Montserrat Medium" panose="00000600000000000000" pitchFamily="2" charset="0"/>
               <a:cs typeface="Gill Sans MT"/>
             </a:endParaRPr>
@@ -6503,6 +6496,46 @@
               <a:t>{</a:t>
             </a:r>
             <a:r>
+              <a:rPr kumimoji="0" lang="it-IT" sz="1000" b="0" i="0" u="none" strike="noStrike" kern="1200" cap="none" spc="0" normalizeH="0" baseline="0" noProof="0" dirty="0" err="1">
+                <a:ln>
+                  <a:noFill/>
+                </a:ln>
+                <a:solidFill>
+                  <a:schemeClr val="tx1">
+                    <a:lumMod val="65000"/>
+                    <a:lumOff val="35000"/>
+                  </a:schemeClr>
+                </a:solidFill>
+                <a:effectLst/>
+                <a:uLnTx/>
+                <a:uFillTx/>
+                <a:latin typeface="Montserrat Medium" panose="00000600000000000000" pitchFamily="2" charset="0"/>
+                <a:ea typeface="+mn-ea"/>
+                <a:cs typeface="Lucida Sans Unicode"/>
+              </a:rPr>
+              <a:t>song</a:t>
+            </a:r>
+            <a:r>
+              <a:rPr kumimoji="0" lang="it-IT" sz="1000" b="0" i="0" u="none" strike="noStrike" kern="1200" cap="none" spc="0" normalizeH="0" baseline="0" noProof="0" dirty="0">
+                <a:ln>
+                  <a:noFill/>
+                </a:ln>
+                <a:solidFill>
+                  <a:schemeClr val="tx1">
+                    <a:lumMod val="65000"/>
+                    <a:lumOff val="35000"/>
+                  </a:schemeClr>
+                </a:solidFill>
+                <a:effectLst/>
+                <a:uLnTx/>
+                <a:uFillTx/>
+                <a:latin typeface="Montserrat Medium" panose="00000600000000000000" pitchFamily="2" charset="0"/>
+                <a:ea typeface="+mn-ea"/>
+                <a:cs typeface="Lucida Sans Unicode"/>
+              </a:rPr>
+              <a:t> + </a:t>
+            </a:r>
+            <a:r>
               <a:rPr lang="it-IT" sz="1000" dirty="0" err="1">
                 <a:solidFill>
                   <a:prstClr val="black">
@@ -7349,7 +7382,7 @@
         </p:nvSpPr>
         <p:spPr>
           <a:xfrm>
-            <a:off x="6208246" y="2448734"/>
+            <a:off x="5993770" y="2451013"/>
             <a:ext cx="1769789" cy="246221"/>
           </a:xfrm>
           <a:prstGeom prst="rect">
@@ -7475,7 +7508,39 @@
                 <a:ea typeface="+mn-ea"/>
                 <a:cs typeface="+mn-cs"/>
               </a:rPr>
-              <a:t> id}</a:t>
+              <a:t> </a:t>
+            </a:r>
+            <a:r>
+              <a:rPr lang="it-IT" sz="1000" dirty="0">
+                <a:solidFill>
+                  <a:prstClr val="black">
+                    <a:lumMod val="65000"/>
+                    <a:lumOff val="35000"/>
+                  </a:prstClr>
+                </a:solidFill>
+                <a:latin typeface="Montserrat Medium" panose="00000600000000000000" pitchFamily="2" charset="0"/>
+              </a:rPr>
+              <a:t>data</a:t>
+            </a:r>
+            <a:r>
+              <a:rPr kumimoji="0" lang="it-IT" sz="1000" i="0" u="none" strike="noStrike" kern="1200" cap="none" spc="0" normalizeH="0" baseline="0" noProof="0" dirty="0">
+                <a:ln>
+                  <a:noFill/>
+                </a:ln>
+                <a:solidFill>
+                  <a:prstClr val="black">
+                    <a:lumMod val="65000"/>
+                    <a:lumOff val="35000"/>
+                  </a:prstClr>
+                </a:solidFill>
+                <a:effectLst/>
+                <a:uLnTx/>
+                <a:uFillTx/>
+                <a:latin typeface="Montserrat Medium" panose="00000600000000000000" pitchFamily="2" charset="0"/>
+                <a:ea typeface="+mn-ea"/>
+                <a:cs typeface="+mn-cs"/>
+              </a:rPr>
+              <a:t>}</a:t>
             </a:r>
           </a:p>
         </p:txBody>
@@ -7824,7 +7889,31 @@
                 </a:solidFill>
                 <a:latin typeface="Montserrat Medium" panose="00000600000000000000" pitchFamily="2" charset="0"/>
               </a:rPr>
-              <a:t>4 http://api.musixmatch.com/... + {song.id}  + {</a:t>
+              <a:t>4 http://api.musixmatch.com/... + {</a:t>
+            </a:r>
+            <a:r>
+              <a:rPr lang="it-IT" sz="1000" dirty="0" err="1">
+                <a:solidFill>
+                  <a:schemeClr val="tx1">
+                    <a:lumMod val="65000"/>
+                    <a:lumOff val="35000"/>
+                  </a:schemeClr>
+                </a:solidFill>
+                <a:latin typeface="Montserrat Medium" panose="00000600000000000000" pitchFamily="2" charset="0"/>
+              </a:rPr>
+              <a:t>song</a:t>
+            </a:r>
+            <a:r>
+              <a:rPr lang="it-IT" sz="1000" dirty="0">
+                <a:solidFill>
+                  <a:schemeClr val="tx1">
+                    <a:lumMod val="65000"/>
+                    <a:lumOff val="35000"/>
+                  </a:schemeClr>
+                </a:solidFill>
+                <a:latin typeface="Montserrat Medium" panose="00000600000000000000" pitchFamily="2" charset="0"/>
+              </a:rPr>
+              <a:t> data}  + {</a:t>
             </a:r>
             <a:r>
               <a:rPr lang="it-IT" sz="1000" dirty="0" err="1">
@@ -7973,6 +8062,1876 @@
 </file>
 
 <file path=ppt/slides/slide7.xml><?xml version="1.0" encoding="utf-8"?>
+<p:sld xmlns:a="http://schemas.openxmlformats.org/drawingml/2006/main" xmlns:r="http://schemas.openxmlformats.org/officeDocument/2006/relationships" xmlns:p="http://schemas.openxmlformats.org/presentationml/2006/main">
+  <p:cSld>
+    <p:bg>
+      <p:bgPr>
+        <a:solidFill>
+          <a:srgbClr val="DDFAE5"/>
+        </a:solidFill>
+        <a:effectLst/>
+      </p:bgPr>
+    </p:bg>
+    <p:spTree>
+      <p:nvGrpSpPr>
+        <p:cNvPr id="1" name=""/>
+        <p:cNvGrpSpPr/>
+        <p:nvPr/>
+      </p:nvGrpSpPr>
+      <p:grpSpPr>
+        <a:xfrm>
+          <a:off x="0" y="0"/>
+          <a:ext cx="0" cy="0"/>
+          <a:chOff x="0" y="0"/>
+          <a:chExt cx="0" cy="0"/>
+        </a:xfrm>
+      </p:grpSpPr>
+      <p:sp>
+        <p:nvSpPr>
+          <p:cNvPr id="28" name="object 2">
+            <a:extLst>
+              <a:ext uri="{FF2B5EF4-FFF2-40B4-BE49-F238E27FC236}">
+                <a16:creationId xmlns:a16="http://schemas.microsoft.com/office/drawing/2014/main" id="{56E2CA66-6553-44E7-B11E-EC69E7601003}"/>
+              </a:ext>
+            </a:extLst>
+          </p:cNvPr>
+          <p:cNvSpPr/>
+          <p:nvPr/>
+        </p:nvSpPr>
+        <p:spPr>
+          <a:xfrm>
+            <a:off x="0" y="0"/>
+            <a:ext cx="9144000" cy="5143500"/>
+          </a:xfrm>
+          <a:custGeom>
+            <a:avLst/>
+            <a:gdLst/>
+            <a:ahLst/>
+            <a:cxnLst/>
+            <a:rect l="l" t="t" r="r" b="b"/>
+            <a:pathLst>
+              <a:path w="9144000" h="4655820">
+                <a:moveTo>
+                  <a:pt x="0" y="4655699"/>
+                </a:moveTo>
+                <a:lnTo>
+                  <a:pt x="9143999" y="4655699"/>
+                </a:lnTo>
+                <a:lnTo>
+                  <a:pt x="9143999" y="0"/>
+                </a:lnTo>
+                <a:lnTo>
+                  <a:pt x="0" y="0"/>
+                </a:lnTo>
+                <a:lnTo>
+                  <a:pt x="0" y="4655699"/>
+                </a:lnTo>
+                <a:close/>
+              </a:path>
+            </a:pathLst>
+          </a:custGeom>
+          <a:solidFill>
+            <a:srgbClr val="DDFAE5"/>
+          </a:solidFill>
+        </p:spPr>
+        <p:txBody>
+          <a:bodyPr wrap="square" lIns="0" tIns="0" rIns="0" bIns="0" rtlCol="0"/>
+          <a:lstStyle/>
+          <a:p>
+            <a:pPr marL="0" marR="0" lvl="0" indent="0" algn="l" defTabSz="914400" rtl="0" eaLnBrk="1" fontAlgn="auto" latinLnBrk="0" hangingPunct="1">
+              <a:lnSpc>
+                <a:spcPct val="100000"/>
+              </a:lnSpc>
+              <a:spcBef>
+                <a:spcPts val="0"/>
+              </a:spcBef>
+              <a:spcAft>
+                <a:spcPts val="0"/>
+              </a:spcAft>
+              <a:buClrTx/>
+              <a:buSzTx/>
+              <a:buFontTx/>
+              <a:buNone/>
+              <a:tabLst/>
+              <a:defRPr/>
+            </a:pPr>
+            <a:endParaRPr kumimoji="0" sz="1800" b="0" i="0" u="none" strike="noStrike" kern="1200" cap="none" spc="0" normalizeH="0" baseline="0" noProof="0" dirty="0">
+              <a:ln>
+                <a:noFill/>
+              </a:ln>
+              <a:solidFill>
+                <a:prstClr val="black"/>
+              </a:solidFill>
+              <a:effectLst/>
+              <a:uLnTx/>
+              <a:uFillTx/>
+              <a:latin typeface="Montserrat Medium" panose="00000600000000000000" pitchFamily="2" charset="0"/>
+              <a:ea typeface="+mn-ea"/>
+              <a:cs typeface="+mn-cs"/>
+            </a:endParaRPr>
+          </a:p>
+        </p:txBody>
+      </p:sp>
+      <p:sp>
+        <p:nvSpPr>
+          <p:cNvPr id="2" name="object 2"/>
+          <p:cNvSpPr txBox="1"/>
+          <p:nvPr/>
+        </p:nvSpPr>
+        <p:spPr>
+          <a:xfrm>
+            <a:off x="363014" y="212529"/>
+            <a:ext cx="2240647" cy="289823"/>
+          </a:xfrm>
+          <a:prstGeom prst="rect">
+            <a:avLst/>
+          </a:prstGeom>
+        </p:spPr>
+        <p:txBody>
+          <a:bodyPr vert="horz" wrap="square" lIns="0" tIns="12700" rIns="0" bIns="0" rtlCol="0">
+            <a:spAutoFit/>
+          </a:bodyPr>
+          <a:lstStyle/>
+          <a:p>
+            <a:pPr marL="12700" marR="0" lvl="0" indent="0" algn="l" defTabSz="914400" rtl="0" eaLnBrk="1" fontAlgn="auto" latinLnBrk="0" hangingPunct="1">
+              <a:lnSpc>
+                <a:spcPct val="100000"/>
+              </a:lnSpc>
+              <a:spcBef>
+                <a:spcPts val="100"/>
+              </a:spcBef>
+              <a:spcAft>
+                <a:spcPts val="0"/>
+              </a:spcAft>
+              <a:buClrTx/>
+              <a:buSzTx/>
+              <a:buFontTx/>
+              <a:buNone/>
+              <a:tabLst/>
+              <a:defRPr/>
+            </a:pPr>
+            <a:r>
+              <a:rPr kumimoji="0" lang="it-IT" sz="1800" b="1" i="0" u="none" strike="noStrike" kern="1200" cap="none" spc="50" normalizeH="0" baseline="0" noProof="0" dirty="0">
+                <a:ln>
+                  <a:noFill/>
+                </a:ln>
+                <a:solidFill>
+                  <a:srgbClr val="595959"/>
+                </a:solidFill>
+                <a:effectLst/>
+                <a:uLnTx/>
+                <a:uFillTx/>
+                <a:latin typeface="Montserrat Medium" panose="00000600000000000000" pitchFamily="2" charset="0"/>
+                <a:ea typeface="+mn-ea"/>
+                <a:cs typeface="Gill Sans MT"/>
+              </a:rPr>
+              <a:t>Chat </a:t>
+            </a:r>
+            <a:r>
+              <a:rPr kumimoji="0" lang="it-IT" sz="1800" b="1" i="0" u="none" strike="noStrike" kern="1200" cap="none" spc="50" normalizeH="0" baseline="0" noProof="0" dirty="0" err="1">
+                <a:ln>
+                  <a:noFill/>
+                </a:ln>
+                <a:solidFill>
+                  <a:srgbClr val="595959"/>
+                </a:solidFill>
+                <a:effectLst/>
+                <a:uLnTx/>
+                <a:uFillTx/>
+                <a:latin typeface="Montserrat Medium" panose="00000600000000000000" pitchFamily="2" charset="0"/>
+                <a:ea typeface="+mn-ea"/>
+                <a:cs typeface="Gill Sans MT"/>
+              </a:rPr>
+              <a:t>WebSocket</a:t>
+            </a:r>
+            <a:endParaRPr kumimoji="0" sz="1800" b="1" i="0" u="none" strike="noStrike" kern="1200" cap="none" spc="0" normalizeH="0" baseline="0" noProof="0" dirty="0">
+              <a:ln>
+                <a:noFill/>
+              </a:ln>
+              <a:solidFill>
+                <a:prstClr val="black"/>
+              </a:solidFill>
+              <a:effectLst/>
+              <a:uLnTx/>
+              <a:uFillTx/>
+              <a:latin typeface="Montserrat Medium" panose="00000600000000000000" pitchFamily="2" charset="0"/>
+              <a:ea typeface="+mn-ea"/>
+              <a:cs typeface="Gill Sans MT"/>
+            </a:endParaRPr>
+          </a:p>
+        </p:txBody>
+      </p:sp>
+      <p:sp>
+        <p:nvSpPr>
+          <p:cNvPr id="26" name="object 26"/>
+          <p:cNvSpPr txBox="1"/>
+          <p:nvPr/>
+        </p:nvSpPr>
+        <p:spPr>
+          <a:xfrm rot="21014737">
+            <a:off x="2936209" y="2811318"/>
+            <a:ext cx="3603102" cy="182101"/>
+          </a:xfrm>
+          <a:prstGeom prst="rect">
+            <a:avLst/>
+          </a:prstGeom>
+        </p:spPr>
+        <p:txBody>
+          <a:bodyPr vert="horz" wrap="square" lIns="0" tIns="12700" rIns="0" bIns="0" rtlCol="0">
+            <a:spAutoFit/>
+          </a:bodyPr>
+          <a:lstStyle/>
+          <a:p>
+            <a:pPr marL="12700" lvl="0">
+              <a:spcBef>
+                <a:spcPts val="100"/>
+              </a:spcBef>
+            </a:pPr>
+            <a:r>
+              <a:rPr lang="it-IT" sz="1100" b="1" spc="25" dirty="0">
+                <a:solidFill>
+                  <a:srgbClr val="595959"/>
+                </a:solidFill>
+                <a:latin typeface="Montserrat Medium" panose="00000600000000000000" pitchFamily="2" charset="0"/>
+                <a:cs typeface="Gill Sans MT"/>
+              </a:rPr>
+              <a:t>2</a:t>
+            </a:r>
+            <a:r>
+              <a:rPr lang="it-IT" sz="1100" spc="25" dirty="0">
+                <a:solidFill>
+                  <a:srgbClr val="595959"/>
+                </a:solidFill>
+                <a:latin typeface="Montserrat Medium" panose="00000600000000000000" pitchFamily="2" charset="0"/>
+                <a:cs typeface="Gill Sans MT"/>
+              </a:rPr>
+              <a:t> </a:t>
+            </a:r>
+            <a:r>
+              <a:rPr lang="it-IT" sz="1100" spc="25" dirty="0" err="1">
+                <a:solidFill>
+                  <a:srgbClr val="595959"/>
+                </a:solidFill>
+                <a:latin typeface="Montserrat Medium" panose="00000600000000000000" pitchFamily="2" charset="0"/>
+                <a:cs typeface="Gill Sans MT"/>
+              </a:rPr>
+              <a:t>socketIO</a:t>
+            </a:r>
+            <a:r>
+              <a:rPr lang="it-IT" sz="1100" spc="25" dirty="0">
+                <a:solidFill>
+                  <a:srgbClr val="595959"/>
+                </a:solidFill>
+                <a:latin typeface="Montserrat Medium" panose="00000600000000000000" pitchFamily="2" charset="0"/>
+                <a:cs typeface="Gill Sans MT"/>
+              </a:rPr>
+              <a:t>(server) .</a:t>
+            </a:r>
+            <a:r>
+              <a:rPr lang="it-IT" sz="1100" spc="25" dirty="0" err="1">
+                <a:solidFill>
+                  <a:srgbClr val="595959"/>
+                </a:solidFill>
+                <a:latin typeface="Montserrat Medium" panose="00000600000000000000" pitchFamily="2" charset="0"/>
+                <a:cs typeface="Gill Sans MT"/>
+              </a:rPr>
+              <a:t>emit</a:t>
+            </a:r>
+            <a:r>
+              <a:rPr lang="it-IT" sz="1100" spc="25" dirty="0">
+                <a:solidFill>
+                  <a:srgbClr val="595959"/>
+                </a:solidFill>
+                <a:latin typeface="Montserrat Medium" panose="00000600000000000000" pitchFamily="2" charset="0"/>
+                <a:cs typeface="Gill Sans MT"/>
+              </a:rPr>
+              <a:t>('</a:t>
+            </a:r>
+            <a:r>
+              <a:rPr lang="it-IT" sz="1100" spc="25" dirty="0" err="1">
+                <a:solidFill>
+                  <a:srgbClr val="595959"/>
+                </a:solidFill>
+                <a:latin typeface="Montserrat Medium" panose="00000600000000000000" pitchFamily="2" charset="0"/>
+                <a:cs typeface="Gill Sans MT"/>
+              </a:rPr>
+              <a:t>chatter</a:t>
+            </a:r>
+            <a:r>
+              <a:rPr lang="it-IT" sz="1100" spc="25" dirty="0">
+                <a:solidFill>
+                  <a:srgbClr val="595959"/>
+                </a:solidFill>
+                <a:latin typeface="Montserrat Medium" panose="00000600000000000000" pitchFamily="2" charset="0"/>
+                <a:cs typeface="Gill Sans MT"/>
+              </a:rPr>
+              <a:t>', </a:t>
+            </a:r>
+            <a:r>
+              <a:rPr lang="it-IT" sz="1100" spc="25" dirty="0" err="1">
+                <a:solidFill>
+                  <a:srgbClr val="595959"/>
+                </a:solidFill>
+                <a:latin typeface="Montserrat Medium" panose="00000600000000000000" pitchFamily="2" charset="0"/>
+                <a:cs typeface="Gill Sans MT"/>
+              </a:rPr>
+              <a:t>message</a:t>
+            </a:r>
+            <a:r>
+              <a:rPr lang="it-IT" sz="1100" spc="25" dirty="0">
+                <a:solidFill>
+                  <a:srgbClr val="595959"/>
+                </a:solidFill>
+                <a:latin typeface="Montserrat Medium" panose="00000600000000000000" pitchFamily="2" charset="0"/>
+                <a:cs typeface="Gill Sans MT"/>
+              </a:rPr>
+              <a:t>) </a:t>
+            </a:r>
+            <a:r>
+              <a:rPr lang="it-IT" sz="1100" spc="450" dirty="0">
+                <a:solidFill>
+                  <a:srgbClr val="595959"/>
+                </a:solidFill>
+                <a:latin typeface="Montserrat Medium" panose="00000600000000000000" pitchFamily="2" charset="0"/>
+                <a:cs typeface="Lucida Sans Unicode"/>
+              </a:rPr>
+              <a:t>▶</a:t>
+            </a:r>
+            <a:endParaRPr kumimoji="0" sz="1100" b="0" i="0" u="none" strike="noStrike" kern="1200" cap="none" spc="0" normalizeH="0" baseline="0" noProof="0" dirty="0">
+              <a:ln>
+                <a:noFill/>
+              </a:ln>
+              <a:solidFill>
+                <a:prstClr val="black"/>
+              </a:solidFill>
+              <a:effectLst/>
+              <a:uLnTx/>
+              <a:uFillTx/>
+              <a:latin typeface="Montserrat Medium" panose="00000600000000000000" pitchFamily="2" charset="0"/>
+              <a:ea typeface="+mn-ea"/>
+              <a:cs typeface="Gill Sans MT"/>
+            </a:endParaRPr>
+          </a:p>
+        </p:txBody>
+      </p:sp>
+      <p:sp>
+        <p:nvSpPr>
+          <p:cNvPr id="34" name="Rettangolo 33">
+            <a:extLst>
+              <a:ext uri="{FF2B5EF4-FFF2-40B4-BE49-F238E27FC236}">
+                <a16:creationId xmlns:a16="http://schemas.microsoft.com/office/drawing/2014/main" id="{19287D10-632E-4A93-A282-311B658CE793}"/>
+              </a:ext>
+            </a:extLst>
+          </p:cNvPr>
+          <p:cNvSpPr/>
+          <p:nvPr/>
+        </p:nvSpPr>
+        <p:spPr>
+          <a:xfrm>
+            <a:off x="161543" y="1526855"/>
+            <a:ext cx="2401561" cy="2394590"/>
+          </a:xfrm>
+          <a:prstGeom prst="rect">
+            <a:avLst/>
+          </a:prstGeom>
+          <a:solidFill>
+            <a:srgbClr val="C43F43"/>
+          </a:solidFill>
+          <a:ln>
+            <a:noFill/>
+          </a:ln>
+        </p:spPr>
+        <p:style>
+          <a:lnRef idx="2">
+            <a:schemeClr val="accent1">
+              <a:shade val="50000"/>
+            </a:schemeClr>
+          </a:lnRef>
+          <a:fillRef idx="1">
+            <a:schemeClr val="accent1"/>
+          </a:fillRef>
+          <a:effectRef idx="0">
+            <a:schemeClr val="accent1"/>
+          </a:effectRef>
+          <a:fontRef idx="minor">
+            <a:schemeClr val="lt1"/>
+          </a:fontRef>
+        </p:style>
+        <p:txBody>
+          <a:bodyPr rtlCol="0" anchor="ctr"/>
+          <a:lstStyle/>
+          <a:p>
+            <a:pPr marL="0" marR="0" lvl="0" indent="0" algn="ctr" defTabSz="914400" rtl="0" eaLnBrk="1" fontAlgn="auto" latinLnBrk="0" hangingPunct="1">
+              <a:lnSpc>
+                <a:spcPct val="100000"/>
+              </a:lnSpc>
+              <a:spcBef>
+                <a:spcPts val="0"/>
+              </a:spcBef>
+              <a:spcAft>
+                <a:spcPts val="0"/>
+              </a:spcAft>
+              <a:buClrTx/>
+              <a:buSzTx/>
+              <a:buFontTx/>
+              <a:buNone/>
+              <a:tabLst/>
+              <a:defRPr/>
+            </a:pPr>
+            <a:endParaRPr kumimoji="0" lang="it-IT" sz="1800" b="0" i="0" u="none" strike="noStrike" kern="1200" cap="none" spc="0" normalizeH="0" baseline="0" noProof="0">
+              <a:ln>
+                <a:noFill/>
+              </a:ln>
+              <a:solidFill>
+                <a:prstClr val="white"/>
+              </a:solidFill>
+              <a:effectLst/>
+              <a:uLnTx/>
+              <a:uFillTx/>
+              <a:latin typeface="Calibri"/>
+              <a:ea typeface="+mn-ea"/>
+              <a:cs typeface="+mn-cs"/>
+            </a:endParaRPr>
+          </a:p>
+        </p:txBody>
+      </p:sp>
+      <p:sp>
+        <p:nvSpPr>
+          <p:cNvPr id="8" name="object 8"/>
+          <p:cNvSpPr txBox="1"/>
+          <p:nvPr/>
+        </p:nvSpPr>
+        <p:spPr>
+          <a:xfrm>
+            <a:off x="7672464" y="1866625"/>
+            <a:ext cx="1003815" cy="448969"/>
+          </a:xfrm>
+          <a:prstGeom prst="rect">
+            <a:avLst/>
+          </a:prstGeom>
+        </p:spPr>
+        <p:txBody>
+          <a:bodyPr vert="horz" wrap="square" lIns="0" tIns="22860" rIns="0" bIns="0" rtlCol="0">
+            <a:spAutoFit/>
+          </a:bodyPr>
+          <a:lstStyle/>
+          <a:p>
+            <a:pPr marL="41910" marR="5080" lvl="0" indent="-29845" algn="l" defTabSz="914400" rtl="0" eaLnBrk="1" fontAlgn="auto" latinLnBrk="0" hangingPunct="1">
+              <a:lnSpc>
+                <a:spcPts val="1650"/>
+              </a:lnSpc>
+              <a:spcBef>
+                <a:spcPts val="180"/>
+              </a:spcBef>
+              <a:spcAft>
+                <a:spcPts val="0"/>
+              </a:spcAft>
+              <a:buClrTx/>
+              <a:buSzTx/>
+              <a:buFontTx/>
+              <a:buNone/>
+              <a:tabLst/>
+              <a:defRPr/>
+            </a:pPr>
+            <a:r>
+              <a:rPr kumimoji="0" sz="1400" b="0" i="0" u="none" strike="noStrike" kern="1200" cap="none" spc="-5" normalizeH="0" baseline="0" noProof="0" dirty="0">
+                <a:ln>
+                  <a:noFill/>
+                </a:ln>
+                <a:solidFill>
+                  <a:srgbClr val="E9EDEE"/>
+                </a:solidFill>
+                <a:effectLst/>
+                <a:uLnTx/>
+                <a:uFillTx/>
+                <a:latin typeface="Montserrat Medium" panose="00000600000000000000" pitchFamily="2" charset="0"/>
+                <a:ea typeface="+mn-ea"/>
+                <a:cs typeface="Arial"/>
+              </a:rPr>
+              <a:t>Backend  NodeJS</a:t>
+            </a:r>
+            <a:endParaRPr kumimoji="0" sz="1400" b="0" i="0" u="none" strike="noStrike" kern="1200" cap="none" spc="0" normalizeH="0" baseline="0" noProof="0" dirty="0">
+              <a:ln>
+                <a:noFill/>
+              </a:ln>
+              <a:solidFill>
+                <a:prstClr val="black"/>
+              </a:solidFill>
+              <a:effectLst/>
+              <a:uLnTx/>
+              <a:uFillTx/>
+              <a:latin typeface="Montserrat Medium" panose="00000600000000000000" pitchFamily="2" charset="0"/>
+              <a:ea typeface="+mn-ea"/>
+              <a:cs typeface="Arial"/>
+            </a:endParaRPr>
+          </a:p>
+        </p:txBody>
+      </p:sp>
+      <p:sp>
+        <p:nvSpPr>
+          <p:cNvPr id="38" name="object 8">
+            <a:extLst>
+              <a:ext uri="{FF2B5EF4-FFF2-40B4-BE49-F238E27FC236}">
+                <a16:creationId xmlns:a16="http://schemas.microsoft.com/office/drawing/2014/main" id="{05E42B1F-0328-4D89-BF9D-7076F446B7F7}"/>
+              </a:ext>
+            </a:extLst>
+          </p:cNvPr>
+          <p:cNvSpPr txBox="1"/>
+          <p:nvPr/>
+        </p:nvSpPr>
+        <p:spPr>
+          <a:xfrm>
+            <a:off x="704054" y="2051948"/>
+            <a:ext cx="1524000" cy="230961"/>
+          </a:xfrm>
+          <a:prstGeom prst="rect">
+            <a:avLst/>
+          </a:prstGeom>
+        </p:spPr>
+        <p:txBody>
+          <a:bodyPr vert="horz" wrap="square" lIns="0" tIns="22860" rIns="0" bIns="0" rtlCol="0">
+            <a:spAutoFit/>
+          </a:bodyPr>
+          <a:lstStyle/>
+          <a:p>
+            <a:pPr marL="41910" marR="5080" lvl="0" indent="-29845" algn="l" defTabSz="914400" rtl="0" eaLnBrk="1" fontAlgn="auto" latinLnBrk="0" hangingPunct="1">
+              <a:lnSpc>
+                <a:spcPts val="1650"/>
+              </a:lnSpc>
+              <a:spcBef>
+                <a:spcPts val="180"/>
+              </a:spcBef>
+              <a:spcAft>
+                <a:spcPts val="0"/>
+              </a:spcAft>
+              <a:buClrTx/>
+              <a:buSzTx/>
+              <a:buFontTx/>
+              <a:buNone/>
+              <a:tabLst/>
+              <a:defRPr/>
+            </a:pPr>
+            <a:r>
+              <a:rPr kumimoji="0" lang="it-IT" sz="1400" b="0" i="0" u="none" strike="noStrike" kern="1200" cap="none" spc="-5" normalizeH="0" baseline="0" noProof="0" dirty="0" err="1">
+                <a:ln>
+                  <a:noFill/>
+                </a:ln>
+                <a:solidFill>
+                  <a:srgbClr val="E9EDEE"/>
+                </a:solidFill>
+                <a:effectLst/>
+                <a:uLnTx/>
+                <a:uFillTx/>
+                <a:latin typeface="Montserrat Medium" panose="00000600000000000000" pitchFamily="2" charset="0"/>
+                <a:ea typeface="+mn-ea"/>
+                <a:cs typeface="Arial"/>
+              </a:rPr>
+              <a:t>Node.Js</a:t>
+            </a:r>
+            <a:r>
+              <a:rPr kumimoji="0" lang="it-IT" sz="1400" b="0" i="0" u="none" strike="noStrike" kern="1200" cap="none" spc="-5" normalizeH="0" baseline="0" noProof="0" dirty="0">
+                <a:ln>
+                  <a:noFill/>
+                </a:ln>
+                <a:solidFill>
+                  <a:srgbClr val="E9EDEE"/>
+                </a:solidFill>
+                <a:effectLst/>
+                <a:uLnTx/>
+                <a:uFillTx/>
+                <a:latin typeface="Montserrat Medium" panose="00000600000000000000" pitchFamily="2" charset="0"/>
+                <a:ea typeface="+mn-ea"/>
+                <a:cs typeface="Arial"/>
+              </a:rPr>
+              <a:t> Server</a:t>
+            </a:r>
+            <a:endParaRPr kumimoji="0" sz="1400" b="0" i="0" u="none" strike="noStrike" kern="1200" cap="none" spc="0" normalizeH="0" baseline="0" noProof="0" dirty="0">
+              <a:ln>
+                <a:noFill/>
+              </a:ln>
+              <a:solidFill>
+                <a:prstClr val="black"/>
+              </a:solidFill>
+              <a:effectLst/>
+              <a:uLnTx/>
+              <a:uFillTx/>
+              <a:latin typeface="Montserrat Medium" panose="00000600000000000000" pitchFamily="2" charset="0"/>
+              <a:ea typeface="+mn-ea"/>
+              <a:cs typeface="Arial"/>
+            </a:endParaRPr>
+          </a:p>
+        </p:txBody>
+      </p:sp>
+      <p:sp>
+        <p:nvSpPr>
+          <p:cNvPr id="40" name="object 26">
+            <a:extLst>
+              <a:ext uri="{FF2B5EF4-FFF2-40B4-BE49-F238E27FC236}">
+                <a16:creationId xmlns:a16="http://schemas.microsoft.com/office/drawing/2014/main" id="{398C9F65-DCE0-462D-88D3-4A8380A6C5E2}"/>
+              </a:ext>
+            </a:extLst>
+          </p:cNvPr>
+          <p:cNvSpPr txBox="1"/>
+          <p:nvPr/>
+        </p:nvSpPr>
+        <p:spPr>
+          <a:xfrm rot="19970398">
+            <a:off x="3753029" y="1263898"/>
+            <a:ext cx="3153330" cy="174407"/>
+          </a:xfrm>
+          <a:prstGeom prst="rect">
+            <a:avLst/>
+          </a:prstGeom>
+        </p:spPr>
+        <p:txBody>
+          <a:bodyPr vert="horz" wrap="square" lIns="0" tIns="12700" rIns="0" bIns="0" rtlCol="0">
+            <a:spAutoFit/>
+          </a:bodyPr>
+          <a:lstStyle/>
+          <a:p>
+            <a:pPr marL="12700" lvl="0">
+              <a:spcBef>
+                <a:spcPts val="100"/>
+              </a:spcBef>
+            </a:pPr>
+            <a:r>
+              <a:rPr lang="it-IT" sz="1050" spc="450" dirty="0">
+                <a:solidFill>
+                  <a:srgbClr val="595959"/>
+                </a:solidFill>
+                <a:latin typeface="Montserrat Medium" panose="00000600000000000000" pitchFamily="2" charset="0"/>
+                <a:cs typeface="Lucida Sans Unicode"/>
+              </a:rPr>
+              <a:t>◀ </a:t>
+            </a:r>
+            <a:r>
+              <a:rPr lang="it-IT" sz="1050" b="1" spc="450" dirty="0">
+                <a:solidFill>
+                  <a:srgbClr val="595959"/>
+                </a:solidFill>
+                <a:latin typeface="Montserrat Medium" panose="00000600000000000000" pitchFamily="2" charset="0"/>
+                <a:cs typeface="Lucida Sans Unicode"/>
+              </a:rPr>
+              <a:t>1</a:t>
+            </a:r>
+            <a:r>
+              <a:rPr lang="it-IT" sz="1050" spc="450" dirty="0">
+                <a:solidFill>
+                  <a:srgbClr val="595959"/>
+                </a:solidFill>
+                <a:latin typeface="Montserrat Medium" panose="00000600000000000000" pitchFamily="2" charset="0"/>
+                <a:cs typeface="Lucida Sans Unicode"/>
+              </a:rPr>
+              <a:t> </a:t>
+            </a:r>
+            <a:r>
+              <a:rPr lang="it-IT" sz="1050" spc="25" dirty="0" err="1">
+                <a:solidFill>
+                  <a:srgbClr val="595959"/>
+                </a:solidFill>
+                <a:latin typeface="Montserrat Medium" panose="00000600000000000000" pitchFamily="2" charset="0"/>
+                <a:cs typeface="Gill Sans MT"/>
+              </a:rPr>
+              <a:t>socket.emit</a:t>
+            </a:r>
+            <a:r>
+              <a:rPr lang="it-IT" sz="1050" spc="25" dirty="0">
+                <a:solidFill>
+                  <a:srgbClr val="595959"/>
+                </a:solidFill>
+                <a:latin typeface="Montserrat Medium" panose="00000600000000000000" pitchFamily="2" charset="0"/>
+                <a:cs typeface="Gill Sans MT"/>
+              </a:rPr>
+              <a:t>('</a:t>
+            </a:r>
+            <a:r>
+              <a:rPr lang="it-IT" sz="1050" spc="25" dirty="0" err="1">
+                <a:solidFill>
+                  <a:srgbClr val="595959"/>
+                </a:solidFill>
+                <a:latin typeface="Montserrat Medium" panose="00000600000000000000" pitchFamily="2" charset="0"/>
+                <a:cs typeface="Gill Sans MT"/>
+              </a:rPr>
+              <a:t>chatter</a:t>
+            </a:r>
+            <a:r>
+              <a:rPr lang="it-IT" sz="1050" spc="25" dirty="0">
+                <a:solidFill>
+                  <a:srgbClr val="595959"/>
+                </a:solidFill>
+                <a:latin typeface="Montserrat Medium" panose="00000600000000000000" pitchFamily="2" charset="0"/>
+                <a:cs typeface="Gill Sans MT"/>
+              </a:rPr>
+              <a:t>’, </a:t>
+            </a:r>
+            <a:r>
+              <a:rPr lang="it-IT" sz="1050" spc="25" dirty="0" err="1">
+                <a:solidFill>
+                  <a:srgbClr val="595959"/>
+                </a:solidFill>
+                <a:latin typeface="Montserrat Medium" panose="00000600000000000000" pitchFamily="2" charset="0"/>
+                <a:cs typeface="Gill Sans MT"/>
+              </a:rPr>
+              <a:t>message</a:t>
+            </a:r>
+            <a:r>
+              <a:rPr lang="it-IT" sz="1050" spc="25" dirty="0">
+                <a:solidFill>
+                  <a:srgbClr val="595959"/>
+                </a:solidFill>
+                <a:latin typeface="Montserrat Medium" panose="00000600000000000000" pitchFamily="2" charset="0"/>
+                <a:cs typeface="Gill Sans MT"/>
+              </a:rPr>
+              <a:t>)</a:t>
+            </a:r>
+            <a:endParaRPr kumimoji="0" sz="1050" b="0" i="0" u="none" strike="noStrike" kern="1200" cap="none" spc="0" normalizeH="0" baseline="0" noProof="0" dirty="0">
+              <a:ln>
+                <a:noFill/>
+              </a:ln>
+              <a:solidFill>
+                <a:prstClr val="black"/>
+              </a:solidFill>
+              <a:effectLst/>
+              <a:uLnTx/>
+              <a:uFillTx/>
+              <a:latin typeface="Montserrat Medium" panose="00000600000000000000" pitchFamily="2" charset="0"/>
+              <a:ea typeface="+mn-ea"/>
+              <a:cs typeface="Gill Sans MT"/>
+            </a:endParaRPr>
+          </a:p>
+        </p:txBody>
+      </p:sp>
+      <p:cxnSp>
+        <p:nvCxnSpPr>
+          <p:cNvPr id="45" name="Connettore 2 44">
+            <a:extLst>
+              <a:ext uri="{FF2B5EF4-FFF2-40B4-BE49-F238E27FC236}">
+                <a16:creationId xmlns:a16="http://schemas.microsoft.com/office/drawing/2014/main" id="{AF772887-786B-49C0-9D15-0946F4AD2EBE}"/>
+              </a:ext>
+            </a:extLst>
+          </p:cNvPr>
+          <p:cNvCxnSpPr>
+            <a:cxnSpLocks/>
+          </p:cNvCxnSpPr>
+          <p:nvPr/>
+        </p:nvCxnSpPr>
+        <p:spPr>
+          <a:xfrm flipV="1">
+            <a:off x="2934063" y="2691790"/>
+            <a:ext cx="3838251" cy="648762"/>
+          </a:xfrm>
+          <a:prstGeom prst="straightConnector1">
+            <a:avLst/>
+          </a:prstGeom>
+          <a:ln>
+            <a:solidFill>
+              <a:schemeClr val="tx1"/>
+            </a:solidFill>
+            <a:headEnd type="triangle"/>
+            <a:tailEnd type="triangle"/>
+          </a:ln>
+        </p:spPr>
+        <p:style>
+          <a:lnRef idx="1">
+            <a:schemeClr val="accent1"/>
+          </a:lnRef>
+          <a:fillRef idx="0">
+            <a:schemeClr val="accent1"/>
+          </a:fillRef>
+          <a:effectRef idx="0">
+            <a:schemeClr val="accent1"/>
+          </a:effectRef>
+          <a:fontRef idx="minor">
+            <a:schemeClr val="tx1"/>
+          </a:fontRef>
+        </p:style>
+      </p:cxnSp>
+      <p:sp>
+        <p:nvSpPr>
+          <p:cNvPr id="3" name="Rettangolo 2">
+            <a:extLst>
+              <a:ext uri="{FF2B5EF4-FFF2-40B4-BE49-F238E27FC236}">
+                <a16:creationId xmlns:a16="http://schemas.microsoft.com/office/drawing/2014/main" id="{12739140-58E3-44EB-A308-CBF7BA06DA34}"/>
+              </a:ext>
+            </a:extLst>
+          </p:cNvPr>
+          <p:cNvSpPr/>
+          <p:nvPr/>
+        </p:nvSpPr>
+        <p:spPr>
+          <a:xfrm>
+            <a:off x="1076196" y="2607349"/>
+            <a:ext cx="1791961" cy="1066800"/>
+          </a:xfrm>
+          <a:prstGeom prst="rect">
+            <a:avLst/>
+          </a:prstGeom>
+          <a:solidFill>
+            <a:srgbClr val="780E0E"/>
+          </a:solidFill>
+          <a:ln>
+            <a:noFill/>
+          </a:ln>
+        </p:spPr>
+        <p:style>
+          <a:lnRef idx="2">
+            <a:schemeClr val="accent1">
+              <a:shade val="50000"/>
+            </a:schemeClr>
+          </a:lnRef>
+          <a:fillRef idx="1">
+            <a:schemeClr val="accent1"/>
+          </a:fillRef>
+          <a:effectRef idx="0">
+            <a:schemeClr val="accent1"/>
+          </a:effectRef>
+          <a:fontRef idx="minor">
+            <a:schemeClr val="lt1"/>
+          </a:fontRef>
+        </p:style>
+        <p:txBody>
+          <a:bodyPr rtlCol="0" anchor="ctr"/>
+          <a:lstStyle/>
+          <a:p>
+            <a:pPr marL="0" marR="0" lvl="0" indent="0" algn="ctr" defTabSz="914400" rtl="0" eaLnBrk="1" fontAlgn="auto" latinLnBrk="0" hangingPunct="1">
+              <a:lnSpc>
+                <a:spcPct val="100000"/>
+              </a:lnSpc>
+              <a:spcBef>
+                <a:spcPts val="0"/>
+              </a:spcBef>
+              <a:spcAft>
+                <a:spcPts val="0"/>
+              </a:spcAft>
+              <a:buClrTx/>
+              <a:buSzTx/>
+              <a:buFontTx/>
+              <a:buNone/>
+              <a:tabLst/>
+              <a:defRPr/>
+            </a:pPr>
+            <a:endParaRPr kumimoji="0" lang="it-IT" sz="1800" b="0" i="0" u="none" strike="noStrike" kern="1200" cap="none" spc="0" normalizeH="0" baseline="0" noProof="0">
+              <a:ln>
+                <a:noFill/>
+              </a:ln>
+              <a:solidFill>
+                <a:prstClr val="white"/>
+              </a:solidFill>
+              <a:effectLst/>
+              <a:uLnTx/>
+              <a:uFillTx/>
+              <a:latin typeface="Calibri"/>
+              <a:ea typeface="+mn-ea"/>
+              <a:cs typeface="+mn-cs"/>
+            </a:endParaRPr>
+          </a:p>
+        </p:txBody>
+      </p:sp>
+      <p:sp>
+        <p:nvSpPr>
+          <p:cNvPr id="5" name="object 4">
+            <a:extLst>
+              <a:ext uri="{FF2B5EF4-FFF2-40B4-BE49-F238E27FC236}">
+                <a16:creationId xmlns:a16="http://schemas.microsoft.com/office/drawing/2014/main" id="{B194B0B7-AEBE-4B31-9C3E-2A15D3D9F9EF}"/>
+              </a:ext>
+            </a:extLst>
+          </p:cNvPr>
+          <p:cNvSpPr txBox="1"/>
+          <p:nvPr/>
+        </p:nvSpPr>
+        <p:spPr>
+          <a:xfrm>
+            <a:off x="1474762" y="3025268"/>
+            <a:ext cx="1393395" cy="230961"/>
+          </a:xfrm>
+          <a:prstGeom prst="rect">
+            <a:avLst/>
+          </a:prstGeom>
+        </p:spPr>
+        <p:txBody>
+          <a:bodyPr vert="horz" wrap="square" lIns="0" tIns="22860" rIns="0" bIns="0" rtlCol="0">
+            <a:spAutoFit/>
+          </a:bodyPr>
+          <a:lstStyle/>
+          <a:p>
+            <a:pPr marL="12700" marR="5080" lvl="0" indent="103505" algn="l" defTabSz="914400" rtl="0" eaLnBrk="1" fontAlgn="auto" latinLnBrk="0" hangingPunct="1">
+              <a:lnSpc>
+                <a:spcPts val="1650"/>
+              </a:lnSpc>
+              <a:spcBef>
+                <a:spcPts val="180"/>
+              </a:spcBef>
+              <a:spcAft>
+                <a:spcPts val="0"/>
+              </a:spcAft>
+              <a:buClrTx/>
+              <a:buSzTx/>
+              <a:buFontTx/>
+              <a:buNone/>
+              <a:tabLst/>
+              <a:defRPr/>
+            </a:pPr>
+            <a:r>
+              <a:rPr lang="it-IT" sz="1400" spc="-5" dirty="0">
+                <a:solidFill>
+                  <a:srgbClr val="E9EDEE"/>
+                </a:solidFill>
+                <a:latin typeface="Montserrat Medium" panose="00000600000000000000" pitchFamily="2" charset="0"/>
+                <a:cs typeface="Arial"/>
+              </a:rPr>
+              <a:t>s</a:t>
+            </a:r>
+            <a:r>
+              <a:rPr kumimoji="0" lang="it-IT" sz="1400" b="0" i="0" u="none" strike="noStrike" kern="1200" cap="none" spc="-5" normalizeH="0" baseline="0" noProof="0" dirty="0" err="1">
+                <a:ln>
+                  <a:noFill/>
+                </a:ln>
+                <a:solidFill>
+                  <a:srgbClr val="E9EDEE"/>
+                </a:solidFill>
+                <a:effectLst/>
+                <a:uLnTx/>
+                <a:uFillTx/>
+                <a:latin typeface="Montserrat Medium" panose="00000600000000000000" pitchFamily="2" charset="0"/>
+                <a:ea typeface="+mn-ea"/>
+                <a:cs typeface="Arial"/>
+              </a:rPr>
+              <a:t>ocket.io</a:t>
+            </a:r>
+            <a:endParaRPr kumimoji="0" sz="1400" b="0" i="0" u="none" strike="noStrike" kern="1200" cap="none" spc="0" normalizeH="0" baseline="0" noProof="0" dirty="0">
+              <a:ln>
+                <a:noFill/>
+              </a:ln>
+              <a:solidFill>
+                <a:prstClr val="black"/>
+              </a:solidFill>
+              <a:effectLst/>
+              <a:uLnTx/>
+              <a:uFillTx/>
+              <a:latin typeface="Montserrat Medium" panose="00000600000000000000" pitchFamily="2" charset="0"/>
+              <a:ea typeface="+mn-ea"/>
+              <a:cs typeface="Arial"/>
+            </a:endParaRPr>
+          </a:p>
+        </p:txBody>
+      </p:sp>
+      <p:sp>
+        <p:nvSpPr>
+          <p:cNvPr id="6" name="Ovale 5">
+            <a:extLst>
+              <a:ext uri="{FF2B5EF4-FFF2-40B4-BE49-F238E27FC236}">
+                <a16:creationId xmlns:a16="http://schemas.microsoft.com/office/drawing/2014/main" id="{E4787086-9D76-4961-A6AA-27FF75102606}"/>
+              </a:ext>
+            </a:extLst>
+          </p:cNvPr>
+          <p:cNvSpPr/>
+          <p:nvPr/>
+        </p:nvSpPr>
+        <p:spPr>
+          <a:xfrm>
+            <a:off x="6515021" y="352549"/>
+            <a:ext cx="2057400" cy="1171737"/>
+          </a:xfrm>
+          <a:prstGeom prst="ellipse">
+            <a:avLst/>
+          </a:prstGeom>
+          <a:solidFill>
+            <a:schemeClr val="accent1">
+              <a:lumMod val="75000"/>
+            </a:schemeClr>
+          </a:solidFill>
+          <a:ln>
+            <a:noFill/>
+          </a:ln>
+        </p:spPr>
+        <p:style>
+          <a:lnRef idx="2">
+            <a:schemeClr val="accent1">
+              <a:shade val="50000"/>
+            </a:schemeClr>
+          </a:lnRef>
+          <a:fillRef idx="1">
+            <a:schemeClr val="accent1"/>
+          </a:fillRef>
+          <a:effectRef idx="0">
+            <a:schemeClr val="accent1"/>
+          </a:effectRef>
+          <a:fontRef idx="minor">
+            <a:schemeClr val="lt1"/>
+          </a:fontRef>
+        </p:style>
+        <p:txBody>
+          <a:bodyPr rtlCol="0" anchor="ctr"/>
+          <a:lstStyle/>
+          <a:p>
+            <a:pPr algn="ctr"/>
+            <a:endParaRPr lang="it-IT"/>
+          </a:p>
+        </p:txBody>
+      </p:sp>
+      <p:sp>
+        <p:nvSpPr>
+          <p:cNvPr id="7" name="Ovale 6">
+            <a:extLst>
+              <a:ext uri="{FF2B5EF4-FFF2-40B4-BE49-F238E27FC236}">
+                <a16:creationId xmlns:a16="http://schemas.microsoft.com/office/drawing/2014/main" id="{5D7434BF-12B0-40B4-8BD8-8691A87E1BFB}"/>
+              </a:ext>
+            </a:extLst>
+          </p:cNvPr>
+          <p:cNvSpPr/>
+          <p:nvPr/>
+        </p:nvSpPr>
+        <p:spPr>
+          <a:xfrm>
+            <a:off x="6793427" y="2061884"/>
+            <a:ext cx="2057400" cy="1147799"/>
+          </a:xfrm>
+          <a:prstGeom prst="ellipse">
+            <a:avLst/>
+          </a:prstGeom>
+          <a:solidFill>
+            <a:schemeClr val="accent1">
+              <a:lumMod val="75000"/>
+            </a:schemeClr>
+          </a:solidFill>
+          <a:ln>
+            <a:noFill/>
+          </a:ln>
+        </p:spPr>
+        <p:style>
+          <a:lnRef idx="2">
+            <a:schemeClr val="accent1">
+              <a:shade val="50000"/>
+            </a:schemeClr>
+          </a:lnRef>
+          <a:fillRef idx="1">
+            <a:schemeClr val="accent1"/>
+          </a:fillRef>
+          <a:effectRef idx="0">
+            <a:schemeClr val="accent1"/>
+          </a:effectRef>
+          <a:fontRef idx="minor">
+            <a:schemeClr val="lt1"/>
+          </a:fontRef>
+        </p:style>
+        <p:txBody>
+          <a:bodyPr rtlCol="0" anchor="ctr"/>
+          <a:lstStyle/>
+          <a:p>
+            <a:pPr algn="ctr"/>
+            <a:endParaRPr lang="it-IT"/>
+          </a:p>
+        </p:txBody>
+      </p:sp>
+      <p:sp>
+        <p:nvSpPr>
+          <p:cNvPr id="9" name="Ovale 8">
+            <a:extLst>
+              <a:ext uri="{FF2B5EF4-FFF2-40B4-BE49-F238E27FC236}">
+                <a16:creationId xmlns:a16="http://schemas.microsoft.com/office/drawing/2014/main" id="{3541A23C-6EE7-46FF-BC2E-5448C15D83C2}"/>
+              </a:ext>
+            </a:extLst>
+          </p:cNvPr>
+          <p:cNvSpPr/>
+          <p:nvPr/>
+        </p:nvSpPr>
+        <p:spPr>
+          <a:xfrm>
+            <a:off x="6816779" y="3674149"/>
+            <a:ext cx="2057400" cy="1116802"/>
+          </a:xfrm>
+          <a:prstGeom prst="ellipse">
+            <a:avLst/>
+          </a:prstGeom>
+          <a:solidFill>
+            <a:schemeClr val="accent1">
+              <a:lumMod val="75000"/>
+            </a:schemeClr>
+          </a:solidFill>
+          <a:ln>
+            <a:noFill/>
+          </a:ln>
+        </p:spPr>
+        <p:style>
+          <a:lnRef idx="2">
+            <a:schemeClr val="accent1">
+              <a:shade val="50000"/>
+            </a:schemeClr>
+          </a:lnRef>
+          <a:fillRef idx="1">
+            <a:schemeClr val="accent1"/>
+          </a:fillRef>
+          <a:effectRef idx="0">
+            <a:schemeClr val="accent1"/>
+          </a:effectRef>
+          <a:fontRef idx="minor">
+            <a:schemeClr val="lt1"/>
+          </a:fontRef>
+        </p:style>
+        <p:txBody>
+          <a:bodyPr rtlCol="0" anchor="ctr"/>
+          <a:lstStyle/>
+          <a:p>
+            <a:pPr algn="ctr"/>
+            <a:endParaRPr lang="it-IT"/>
+          </a:p>
+        </p:txBody>
+      </p:sp>
+      <p:sp>
+        <p:nvSpPr>
+          <p:cNvPr id="15" name="object 8">
+            <a:extLst>
+              <a:ext uri="{FF2B5EF4-FFF2-40B4-BE49-F238E27FC236}">
+                <a16:creationId xmlns:a16="http://schemas.microsoft.com/office/drawing/2014/main" id="{1D0DCBA7-95C3-4099-BF0D-4FD268A82BDA}"/>
+              </a:ext>
+            </a:extLst>
+          </p:cNvPr>
+          <p:cNvSpPr txBox="1"/>
+          <p:nvPr/>
+        </p:nvSpPr>
+        <p:spPr>
+          <a:xfrm>
+            <a:off x="7190105" y="741575"/>
+            <a:ext cx="1524000" cy="230961"/>
+          </a:xfrm>
+          <a:prstGeom prst="rect">
+            <a:avLst/>
+          </a:prstGeom>
+        </p:spPr>
+        <p:txBody>
+          <a:bodyPr vert="horz" wrap="square" lIns="0" tIns="22860" rIns="0" bIns="0" rtlCol="0">
+            <a:spAutoFit/>
+          </a:bodyPr>
+          <a:lstStyle/>
+          <a:p>
+            <a:pPr marL="41910" marR="5080" lvl="0" indent="-29845" algn="l" defTabSz="914400" rtl="0" eaLnBrk="1" fontAlgn="auto" latinLnBrk="0" hangingPunct="1">
+              <a:lnSpc>
+                <a:spcPts val="1650"/>
+              </a:lnSpc>
+              <a:spcBef>
+                <a:spcPts val="180"/>
+              </a:spcBef>
+              <a:spcAft>
+                <a:spcPts val="0"/>
+              </a:spcAft>
+              <a:buClrTx/>
+              <a:buSzTx/>
+              <a:buFontTx/>
+              <a:buNone/>
+              <a:tabLst/>
+              <a:defRPr/>
+            </a:pPr>
+            <a:r>
+              <a:rPr kumimoji="0" lang="it-IT" sz="1400" b="0" i="0" u="none" strike="noStrike" kern="1200" cap="none" spc="-5" normalizeH="0" baseline="0" noProof="0" dirty="0">
+                <a:ln>
+                  <a:noFill/>
+                </a:ln>
+                <a:solidFill>
+                  <a:srgbClr val="E9EDEE"/>
+                </a:solidFill>
+                <a:effectLst/>
+                <a:uLnTx/>
+                <a:uFillTx/>
+                <a:latin typeface="Montserrat Medium" panose="00000600000000000000" pitchFamily="2" charset="0"/>
+                <a:ea typeface="+mn-ea"/>
+                <a:cs typeface="Arial"/>
+              </a:rPr>
+              <a:t>Client 1</a:t>
+            </a:r>
+            <a:endParaRPr kumimoji="0" sz="1400" b="0" i="0" u="none" strike="noStrike" kern="1200" cap="none" spc="0" normalizeH="0" baseline="0" noProof="0" dirty="0">
+              <a:ln>
+                <a:noFill/>
+              </a:ln>
+              <a:solidFill>
+                <a:prstClr val="black"/>
+              </a:solidFill>
+              <a:effectLst/>
+              <a:uLnTx/>
+              <a:uFillTx/>
+              <a:latin typeface="Montserrat Medium" panose="00000600000000000000" pitchFamily="2" charset="0"/>
+              <a:ea typeface="+mn-ea"/>
+              <a:cs typeface="Arial"/>
+            </a:endParaRPr>
+          </a:p>
+        </p:txBody>
+      </p:sp>
+      <p:sp>
+        <p:nvSpPr>
+          <p:cNvPr id="17" name="object 8">
+            <a:extLst>
+              <a:ext uri="{FF2B5EF4-FFF2-40B4-BE49-F238E27FC236}">
+                <a16:creationId xmlns:a16="http://schemas.microsoft.com/office/drawing/2014/main" id="{727A1E8E-51BD-4728-9B5D-6C3AA629DF6C}"/>
+              </a:ext>
+            </a:extLst>
+          </p:cNvPr>
+          <p:cNvSpPr txBox="1"/>
+          <p:nvPr/>
+        </p:nvSpPr>
+        <p:spPr>
+          <a:xfrm>
+            <a:off x="7412371" y="2520302"/>
+            <a:ext cx="1524000" cy="230961"/>
+          </a:xfrm>
+          <a:prstGeom prst="rect">
+            <a:avLst/>
+          </a:prstGeom>
+        </p:spPr>
+        <p:txBody>
+          <a:bodyPr vert="horz" wrap="square" lIns="0" tIns="22860" rIns="0" bIns="0" rtlCol="0">
+            <a:spAutoFit/>
+          </a:bodyPr>
+          <a:lstStyle/>
+          <a:p>
+            <a:pPr marL="41910" marR="5080" lvl="0" indent="-29845" algn="l" defTabSz="914400" rtl="0" eaLnBrk="1" fontAlgn="auto" latinLnBrk="0" hangingPunct="1">
+              <a:lnSpc>
+                <a:spcPts val="1650"/>
+              </a:lnSpc>
+              <a:spcBef>
+                <a:spcPts val="180"/>
+              </a:spcBef>
+              <a:spcAft>
+                <a:spcPts val="0"/>
+              </a:spcAft>
+              <a:buClrTx/>
+              <a:buSzTx/>
+              <a:buFontTx/>
+              <a:buNone/>
+              <a:tabLst/>
+              <a:defRPr/>
+            </a:pPr>
+            <a:r>
+              <a:rPr kumimoji="0" lang="it-IT" sz="1400" b="0" i="0" u="none" strike="noStrike" kern="1200" cap="none" spc="-5" normalizeH="0" baseline="0" noProof="0" dirty="0">
+                <a:ln>
+                  <a:noFill/>
+                </a:ln>
+                <a:solidFill>
+                  <a:srgbClr val="E9EDEE"/>
+                </a:solidFill>
+                <a:effectLst/>
+                <a:uLnTx/>
+                <a:uFillTx/>
+                <a:latin typeface="Montserrat Medium" panose="00000600000000000000" pitchFamily="2" charset="0"/>
+                <a:ea typeface="+mn-ea"/>
+                <a:cs typeface="Arial"/>
+              </a:rPr>
+              <a:t>Client 2</a:t>
+            </a:r>
+            <a:endParaRPr kumimoji="0" sz="1400" b="0" i="0" u="none" strike="noStrike" kern="1200" cap="none" spc="0" normalizeH="0" baseline="0" noProof="0" dirty="0">
+              <a:ln>
+                <a:noFill/>
+              </a:ln>
+              <a:solidFill>
+                <a:prstClr val="black"/>
+              </a:solidFill>
+              <a:effectLst/>
+              <a:uLnTx/>
+              <a:uFillTx/>
+              <a:latin typeface="Montserrat Medium" panose="00000600000000000000" pitchFamily="2" charset="0"/>
+              <a:ea typeface="+mn-ea"/>
+              <a:cs typeface="Arial"/>
+            </a:endParaRPr>
+          </a:p>
+        </p:txBody>
+      </p:sp>
+      <p:sp>
+        <p:nvSpPr>
+          <p:cNvPr id="19" name="object 8">
+            <a:extLst>
+              <a:ext uri="{FF2B5EF4-FFF2-40B4-BE49-F238E27FC236}">
+                <a16:creationId xmlns:a16="http://schemas.microsoft.com/office/drawing/2014/main" id="{8D40B342-AF3F-4917-B353-D0CF9F493FF2}"/>
+              </a:ext>
+            </a:extLst>
+          </p:cNvPr>
+          <p:cNvSpPr txBox="1"/>
+          <p:nvPr/>
+        </p:nvSpPr>
+        <p:spPr>
+          <a:xfrm>
+            <a:off x="7412371" y="4117069"/>
+            <a:ext cx="1524000" cy="230961"/>
+          </a:xfrm>
+          <a:prstGeom prst="rect">
+            <a:avLst/>
+          </a:prstGeom>
+        </p:spPr>
+        <p:txBody>
+          <a:bodyPr vert="horz" wrap="square" lIns="0" tIns="22860" rIns="0" bIns="0" rtlCol="0">
+            <a:spAutoFit/>
+          </a:bodyPr>
+          <a:lstStyle/>
+          <a:p>
+            <a:pPr marL="41910" marR="5080" lvl="0" indent="-29845" algn="l" defTabSz="914400" rtl="0" eaLnBrk="1" fontAlgn="auto" latinLnBrk="0" hangingPunct="1">
+              <a:lnSpc>
+                <a:spcPts val="1650"/>
+              </a:lnSpc>
+              <a:spcBef>
+                <a:spcPts val="180"/>
+              </a:spcBef>
+              <a:spcAft>
+                <a:spcPts val="0"/>
+              </a:spcAft>
+              <a:buClrTx/>
+              <a:buSzTx/>
+              <a:buFontTx/>
+              <a:buNone/>
+              <a:tabLst/>
+              <a:defRPr/>
+            </a:pPr>
+            <a:r>
+              <a:rPr kumimoji="0" lang="it-IT" sz="1400" b="0" i="0" u="none" strike="noStrike" kern="1200" cap="none" spc="-5" normalizeH="0" baseline="0" noProof="0" dirty="0">
+                <a:ln>
+                  <a:noFill/>
+                </a:ln>
+                <a:solidFill>
+                  <a:srgbClr val="E9EDEE"/>
+                </a:solidFill>
+                <a:effectLst/>
+                <a:uLnTx/>
+                <a:uFillTx/>
+                <a:latin typeface="Montserrat Medium" panose="00000600000000000000" pitchFamily="2" charset="0"/>
+                <a:ea typeface="+mn-ea"/>
+                <a:cs typeface="Arial"/>
+              </a:rPr>
+              <a:t>Client N</a:t>
+            </a:r>
+            <a:endParaRPr kumimoji="0" sz="1400" b="0" i="0" u="none" strike="noStrike" kern="1200" cap="none" spc="0" normalizeH="0" baseline="0" noProof="0" dirty="0">
+              <a:ln>
+                <a:noFill/>
+              </a:ln>
+              <a:solidFill>
+                <a:prstClr val="black"/>
+              </a:solidFill>
+              <a:effectLst/>
+              <a:uLnTx/>
+              <a:uFillTx/>
+              <a:latin typeface="Montserrat Medium" panose="00000600000000000000" pitchFamily="2" charset="0"/>
+              <a:ea typeface="+mn-ea"/>
+              <a:cs typeface="Arial"/>
+            </a:endParaRPr>
+          </a:p>
+        </p:txBody>
+      </p:sp>
+      <p:cxnSp>
+        <p:nvCxnSpPr>
+          <p:cNvPr id="37" name="Connettore 2 36">
+            <a:extLst>
+              <a:ext uri="{FF2B5EF4-FFF2-40B4-BE49-F238E27FC236}">
+                <a16:creationId xmlns:a16="http://schemas.microsoft.com/office/drawing/2014/main" id="{1156DB55-EE04-48FB-9B92-F15B23AE0422}"/>
+              </a:ext>
+            </a:extLst>
+          </p:cNvPr>
+          <p:cNvCxnSpPr>
+            <a:cxnSpLocks/>
+          </p:cNvCxnSpPr>
+          <p:nvPr/>
+        </p:nvCxnSpPr>
+        <p:spPr>
+          <a:xfrm flipV="1">
+            <a:off x="2898064" y="920922"/>
+            <a:ext cx="3560313" cy="1803229"/>
+          </a:xfrm>
+          <a:prstGeom prst="straightConnector1">
+            <a:avLst/>
+          </a:prstGeom>
+          <a:ln>
+            <a:solidFill>
+              <a:schemeClr val="tx1"/>
+            </a:solidFill>
+            <a:headEnd type="triangle"/>
+            <a:tailEnd type="triangle"/>
+          </a:ln>
+        </p:spPr>
+        <p:style>
+          <a:lnRef idx="1">
+            <a:schemeClr val="accent1"/>
+          </a:lnRef>
+          <a:fillRef idx="0">
+            <a:schemeClr val="accent1"/>
+          </a:fillRef>
+          <a:effectRef idx="0">
+            <a:schemeClr val="accent1"/>
+          </a:effectRef>
+          <a:fontRef idx="minor">
+            <a:schemeClr val="tx1"/>
+          </a:fontRef>
+        </p:style>
+      </p:cxnSp>
+      <p:sp>
+        <p:nvSpPr>
+          <p:cNvPr id="39" name="object 26">
+            <a:extLst>
+              <a:ext uri="{FF2B5EF4-FFF2-40B4-BE49-F238E27FC236}">
+                <a16:creationId xmlns:a16="http://schemas.microsoft.com/office/drawing/2014/main" id="{C6996331-6116-4EA1-A1A2-BE91A806E5B4}"/>
+              </a:ext>
+            </a:extLst>
+          </p:cNvPr>
+          <p:cNvSpPr txBox="1"/>
+          <p:nvPr/>
+        </p:nvSpPr>
+        <p:spPr>
+          <a:xfrm>
+            <a:off x="6716871" y="3229388"/>
+            <a:ext cx="2288289" cy="182101"/>
+          </a:xfrm>
+          <a:prstGeom prst="rect">
+            <a:avLst/>
+          </a:prstGeom>
+        </p:spPr>
+        <p:txBody>
+          <a:bodyPr vert="horz" wrap="square" lIns="0" tIns="12700" rIns="0" bIns="0" rtlCol="0">
+            <a:spAutoFit/>
+          </a:bodyPr>
+          <a:lstStyle/>
+          <a:p>
+            <a:pPr marL="12700" lvl="0">
+              <a:spcBef>
+                <a:spcPts val="100"/>
+              </a:spcBef>
+            </a:pPr>
+            <a:r>
+              <a:rPr lang="it-IT" sz="1100" b="1" spc="25" dirty="0">
+                <a:solidFill>
+                  <a:srgbClr val="595959"/>
+                </a:solidFill>
+                <a:latin typeface="Montserrat Medium" panose="00000600000000000000" pitchFamily="2" charset="0"/>
+                <a:cs typeface="Gill Sans MT"/>
+              </a:rPr>
+              <a:t>3</a:t>
+            </a:r>
+            <a:r>
+              <a:rPr lang="it-IT" sz="1100" spc="25" dirty="0">
+                <a:solidFill>
+                  <a:srgbClr val="595959"/>
+                </a:solidFill>
+                <a:latin typeface="Montserrat Medium" panose="00000600000000000000" pitchFamily="2" charset="0"/>
+                <a:cs typeface="Gill Sans MT"/>
+              </a:rPr>
+              <a:t> </a:t>
+            </a:r>
+            <a:r>
+              <a:rPr lang="it-IT" sz="1100" spc="25" dirty="0" err="1">
+                <a:solidFill>
+                  <a:srgbClr val="595959"/>
+                </a:solidFill>
+                <a:latin typeface="Montserrat Medium" panose="00000600000000000000" pitchFamily="2" charset="0"/>
+                <a:cs typeface="Gill Sans MT"/>
+              </a:rPr>
+              <a:t>socket.on</a:t>
+            </a:r>
+            <a:r>
+              <a:rPr lang="it-IT" sz="1100" spc="25" dirty="0">
+                <a:solidFill>
+                  <a:srgbClr val="595959"/>
+                </a:solidFill>
+                <a:latin typeface="Montserrat Medium" panose="00000600000000000000" pitchFamily="2" charset="0"/>
+                <a:cs typeface="Gill Sans MT"/>
+              </a:rPr>
+              <a:t>('</a:t>
+            </a:r>
+            <a:r>
+              <a:rPr lang="it-IT" sz="1100" spc="25" dirty="0" err="1">
+                <a:solidFill>
+                  <a:srgbClr val="595959"/>
+                </a:solidFill>
+                <a:latin typeface="Montserrat Medium" panose="00000600000000000000" pitchFamily="2" charset="0"/>
+                <a:cs typeface="Gill Sans MT"/>
+              </a:rPr>
+              <a:t>chatter</a:t>
+            </a:r>
+            <a:r>
+              <a:rPr lang="it-IT" sz="1100" spc="25" dirty="0">
+                <a:solidFill>
+                  <a:srgbClr val="595959"/>
+                </a:solidFill>
+                <a:latin typeface="Montserrat Medium" panose="00000600000000000000" pitchFamily="2" charset="0"/>
+                <a:cs typeface="Gill Sans MT"/>
+              </a:rPr>
+              <a:t>’, </a:t>
+            </a:r>
+            <a:r>
+              <a:rPr lang="it-IT" sz="1100" spc="25" dirty="0" err="1">
+                <a:solidFill>
+                  <a:srgbClr val="595959"/>
+                </a:solidFill>
+                <a:latin typeface="Montserrat Medium" panose="00000600000000000000" pitchFamily="2" charset="0"/>
+                <a:cs typeface="Gill Sans MT"/>
+              </a:rPr>
+              <a:t>print</a:t>
+            </a:r>
+            <a:r>
+              <a:rPr lang="it-IT" sz="1100" spc="25" dirty="0">
+                <a:solidFill>
+                  <a:srgbClr val="595959"/>
+                </a:solidFill>
+                <a:latin typeface="Montserrat Medium" panose="00000600000000000000" pitchFamily="2" charset="0"/>
+                <a:cs typeface="Gill Sans MT"/>
+              </a:rPr>
+              <a:t>…)</a:t>
+            </a:r>
+            <a:endParaRPr kumimoji="0" sz="1100" b="0" i="0" u="none" strike="noStrike" kern="1200" cap="none" spc="0" normalizeH="0" baseline="0" noProof="0" dirty="0">
+              <a:ln>
+                <a:noFill/>
+              </a:ln>
+              <a:solidFill>
+                <a:prstClr val="black"/>
+              </a:solidFill>
+              <a:effectLst/>
+              <a:uLnTx/>
+              <a:uFillTx/>
+              <a:latin typeface="Montserrat Medium" panose="00000600000000000000" pitchFamily="2" charset="0"/>
+              <a:ea typeface="+mn-ea"/>
+              <a:cs typeface="Gill Sans MT"/>
+            </a:endParaRPr>
+          </a:p>
+        </p:txBody>
+      </p:sp>
+      <p:cxnSp>
+        <p:nvCxnSpPr>
+          <p:cNvPr id="49" name="Connettore 2 48">
+            <a:extLst>
+              <a:ext uri="{FF2B5EF4-FFF2-40B4-BE49-F238E27FC236}">
+                <a16:creationId xmlns:a16="http://schemas.microsoft.com/office/drawing/2014/main" id="{81536CD6-208F-48D8-BB35-DD10B5DA03DB}"/>
+              </a:ext>
+            </a:extLst>
+          </p:cNvPr>
+          <p:cNvCxnSpPr>
+            <a:cxnSpLocks/>
+          </p:cNvCxnSpPr>
+          <p:nvPr/>
+        </p:nvCxnSpPr>
+        <p:spPr>
+          <a:xfrm>
+            <a:off x="2898064" y="3678102"/>
+            <a:ext cx="3918715" cy="786733"/>
+          </a:xfrm>
+          <a:prstGeom prst="straightConnector1">
+            <a:avLst/>
+          </a:prstGeom>
+          <a:ln>
+            <a:solidFill>
+              <a:schemeClr val="tx1"/>
+            </a:solidFill>
+            <a:headEnd type="triangle"/>
+            <a:tailEnd type="triangle"/>
+          </a:ln>
+        </p:spPr>
+        <p:style>
+          <a:lnRef idx="1">
+            <a:schemeClr val="accent1"/>
+          </a:lnRef>
+          <a:fillRef idx="0">
+            <a:schemeClr val="accent1"/>
+          </a:fillRef>
+          <a:effectRef idx="0">
+            <a:schemeClr val="accent1"/>
+          </a:effectRef>
+          <a:fontRef idx="minor">
+            <a:schemeClr val="tx1"/>
+          </a:fontRef>
+        </p:style>
+      </p:cxnSp>
+      <p:sp>
+        <p:nvSpPr>
+          <p:cNvPr id="4" name="object 26">
+            <a:extLst>
+              <a:ext uri="{FF2B5EF4-FFF2-40B4-BE49-F238E27FC236}">
+                <a16:creationId xmlns:a16="http://schemas.microsoft.com/office/drawing/2014/main" id="{DF16158B-925E-4912-9287-940AEDA4FA43}"/>
+              </a:ext>
+            </a:extLst>
+          </p:cNvPr>
+          <p:cNvSpPr txBox="1"/>
+          <p:nvPr/>
+        </p:nvSpPr>
+        <p:spPr>
+          <a:xfrm rot="669791">
+            <a:off x="2932261" y="3830393"/>
+            <a:ext cx="3603102" cy="182101"/>
+          </a:xfrm>
+          <a:prstGeom prst="rect">
+            <a:avLst/>
+          </a:prstGeom>
+        </p:spPr>
+        <p:txBody>
+          <a:bodyPr vert="horz" wrap="square" lIns="0" tIns="12700" rIns="0" bIns="0" rtlCol="0">
+            <a:spAutoFit/>
+          </a:bodyPr>
+          <a:lstStyle/>
+          <a:p>
+            <a:pPr marL="12700" lvl="0">
+              <a:spcBef>
+                <a:spcPts val="100"/>
+              </a:spcBef>
+            </a:pPr>
+            <a:r>
+              <a:rPr lang="it-IT" sz="1100" b="1" spc="25" dirty="0">
+                <a:solidFill>
+                  <a:srgbClr val="595959"/>
+                </a:solidFill>
+                <a:latin typeface="Montserrat Medium" panose="00000600000000000000" pitchFamily="2" charset="0"/>
+                <a:cs typeface="Gill Sans MT"/>
+              </a:rPr>
+              <a:t>2</a:t>
+            </a:r>
+            <a:r>
+              <a:rPr lang="it-IT" sz="1100" spc="25" dirty="0">
+                <a:solidFill>
+                  <a:srgbClr val="595959"/>
+                </a:solidFill>
+                <a:latin typeface="Montserrat Medium" panose="00000600000000000000" pitchFamily="2" charset="0"/>
+                <a:cs typeface="Gill Sans MT"/>
+              </a:rPr>
+              <a:t> </a:t>
+            </a:r>
+            <a:r>
+              <a:rPr lang="it-IT" sz="1100" spc="25" dirty="0" err="1">
+                <a:solidFill>
+                  <a:srgbClr val="595959"/>
+                </a:solidFill>
+                <a:latin typeface="Montserrat Medium" panose="00000600000000000000" pitchFamily="2" charset="0"/>
+                <a:cs typeface="Gill Sans MT"/>
+              </a:rPr>
+              <a:t>socketIO</a:t>
+            </a:r>
+            <a:r>
+              <a:rPr lang="it-IT" sz="1100" spc="25" dirty="0">
+                <a:solidFill>
+                  <a:srgbClr val="595959"/>
+                </a:solidFill>
+                <a:latin typeface="Montserrat Medium" panose="00000600000000000000" pitchFamily="2" charset="0"/>
+                <a:cs typeface="Gill Sans MT"/>
+              </a:rPr>
+              <a:t>(server) .</a:t>
+            </a:r>
+            <a:r>
+              <a:rPr lang="it-IT" sz="1100" spc="25" dirty="0" err="1">
+                <a:solidFill>
+                  <a:srgbClr val="595959"/>
+                </a:solidFill>
+                <a:latin typeface="Montserrat Medium" panose="00000600000000000000" pitchFamily="2" charset="0"/>
+                <a:cs typeface="Gill Sans MT"/>
+              </a:rPr>
+              <a:t>emit</a:t>
+            </a:r>
+            <a:r>
+              <a:rPr lang="it-IT" sz="1100" spc="25" dirty="0">
+                <a:solidFill>
+                  <a:srgbClr val="595959"/>
+                </a:solidFill>
+                <a:latin typeface="Montserrat Medium" panose="00000600000000000000" pitchFamily="2" charset="0"/>
+                <a:cs typeface="Gill Sans MT"/>
+              </a:rPr>
+              <a:t>('</a:t>
+            </a:r>
+            <a:r>
+              <a:rPr lang="it-IT" sz="1100" spc="25" dirty="0" err="1">
+                <a:solidFill>
+                  <a:srgbClr val="595959"/>
+                </a:solidFill>
+                <a:latin typeface="Montserrat Medium" panose="00000600000000000000" pitchFamily="2" charset="0"/>
+                <a:cs typeface="Gill Sans MT"/>
+              </a:rPr>
+              <a:t>chatter</a:t>
+            </a:r>
+            <a:r>
+              <a:rPr lang="it-IT" sz="1100" spc="25" dirty="0">
+                <a:solidFill>
+                  <a:srgbClr val="595959"/>
+                </a:solidFill>
+                <a:latin typeface="Montserrat Medium" panose="00000600000000000000" pitchFamily="2" charset="0"/>
+                <a:cs typeface="Gill Sans MT"/>
+              </a:rPr>
+              <a:t>', </a:t>
+            </a:r>
+            <a:r>
+              <a:rPr lang="it-IT" sz="1100" spc="25" dirty="0" err="1">
+                <a:solidFill>
+                  <a:srgbClr val="595959"/>
+                </a:solidFill>
+                <a:latin typeface="Montserrat Medium" panose="00000600000000000000" pitchFamily="2" charset="0"/>
+                <a:cs typeface="Gill Sans MT"/>
+              </a:rPr>
+              <a:t>message</a:t>
+            </a:r>
+            <a:r>
+              <a:rPr lang="it-IT" sz="1100" spc="25" dirty="0">
+                <a:solidFill>
+                  <a:srgbClr val="595959"/>
+                </a:solidFill>
+                <a:latin typeface="Montserrat Medium" panose="00000600000000000000" pitchFamily="2" charset="0"/>
+                <a:cs typeface="Gill Sans MT"/>
+              </a:rPr>
+              <a:t>) </a:t>
+            </a:r>
+            <a:r>
+              <a:rPr lang="it-IT" sz="1100" spc="450" dirty="0">
+                <a:solidFill>
+                  <a:srgbClr val="595959"/>
+                </a:solidFill>
+                <a:latin typeface="Montserrat Medium" panose="00000600000000000000" pitchFamily="2" charset="0"/>
+                <a:cs typeface="Lucida Sans Unicode"/>
+              </a:rPr>
+              <a:t>▶</a:t>
+            </a:r>
+            <a:endParaRPr kumimoji="0" sz="1100" b="0" i="0" u="none" strike="noStrike" kern="1200" cap="none" spc="0" normalizeH="0" baseline="0" noProof="0" dirty="0">
+              <a:ln>
+                <a:noFill/>
+              </a:ln>
+              <a:solidFill>
+                <a:prstClr val="black"/>
+              </a:solidFill>
+              <a:effectLst/>
+              <a:uLnTx/>
+              <a:uFillTx/>
+              <a:latin typeface="Montserrat Medium" panose="00000600000000000000" pitchFamily="2" charset="0"/>
+              <a:ea typeface="+mn-ea"/>
+              <a:cs typeface="Gill Sans MT"/>
+            </a:endParaRPr>
+          </a:p>
+        </p:txBody>
+      </p:sp>
+      <p:sp>
+        <p:nvSpPr>
+          <p:cNvPr id="10" name="object 26">
+            <a:extLst>
+              <a:ext uri="{FF2B5EF4-FFF2-40B4-BE49-F238E27FC236}">
+                <a16:creationId xmlns:a16="http://schemas.microsoft.com/office/drawing/2014/main" id="{9FED239C-CADA-40B9-A3BE-CB352E2AF4B7}"/>
+              </a:ext>
+            </a:extLst>
+          </p:cNvPr>
+          <p:cNvSpPr txBox="1"/>
+          <p:nvPr/>
+        </p:nvSpPr>
+        <p:spPr>
+          <a:xfrm>
+            <a:off x="6816779" y="4831955"/>
+            <a:ext cx="2288289" cy="182101"/>
+          </a:xfrm>
+          <a:prstGeom prst="rect">
+            <a:avLst/>
+          </a:prstGeom>
+        </p:spPr>
+        <p:txBody>
+          <a:bodyPr vert="horz" wrap="square" lIns="0" tIns="12700" rIns="0" bIns="0" rtlCol="0">
+            <a:spAutoFit/>
+          </a:bodyPr>
+          <a:lstStyle/>
+          <a:p>
+            <a:pPr marL="12700" lvl="0">
+              <a:spcBef>
+                <a:spcPts val="100"/>
+              </a:spcBef>
+            </a:pPr>
+            <a:r>
+              <a:rPr lang="it-IT" sz="1100" b="1" spc="25" dirty="0">
+                <a:solidFill>
+                  <a:srgbClr val="595959"/>
+                </a:solidFill>
+                <a:latin typeface="Montserrat Medium" panose="00000600000000000000" pitchFamily="2" charset="0"/>
+                <a:cs typeface="Gill Sans MT"/>
+              </a:rPr>
+              <a:t>3</a:t>
+            </a:r>
+            <a:r>
+              <a:rPr lang="it-IT" sz="1100" spc="25" dirty="0">
+                <a:solidFill>
+                  <a:srgbClr val="595959"/>
+                </a:solidFill>
+                <a:latin typeface="Montserrat Medium" panose="00000600000000000000" pitchFamily="2" charset="0"/>
+                <a:cs typeface="Gill Sans MT"/>
+              </a:rPr>
+              <a:t> </a:t>
+            </a:r>
+            <a:r>
+              <a:rPr lang="it-IT" sz="1100" spc="25" dirty="0" err="1">
+                <a:solidFill>
+                  <a:srgbClr val="595959"/>
+                </a:solidFill>
+                <a:latin typeface="Montserrat Medium" panose="00000600000000000000" pitchFamily="2" charset="0"/>
+                <a:cs typeface="Gill Sans MT"/>
+              </a:rPr>
+              <a:t>socket.on</a:t>
+            </a:r>
+            <a:r>
+              <a:rPr lang="it-IT" sz="1100" spc="25" dirty="0">
+                <a:solidFill>
+                  <a:srgbClr val="595959"/>
+                </a:solidFill>
+                <a:latin typeface="Montserrat Medium" panose="00000600000000000000" pitchFamily="2" charset="0"/>
+                <a:cs typeface="Gill Sans MT"/>
+              </a:rPr>
+              <a:t>('</a:t>
+            </a:r>
+            <a:r>
+              <a:rPr lang="it-IT" sz="1100" spc="25" dirty="0" err="1">
+                <a:solidFill>
+                  <a:srgbClr val="595959"/>
+                </a:solidFill>
+                <a:latin typeface="Montserrat Medium" panose="00000600000000000000" pitchFamily="2" charset="0"/>
+                <a:cs typeface="Gill Sans MT"/>
+              </a:rPr>
+              <a:t>chatter</a:t>
+            </a:r>
+            <a:r>
+              <a:rPr lang="it-IT" sz="1100" spc="25" dirty="0">
+                <a:solidFill>
+                  <a:srgbClr val="595959"/>
+                </a:solidFill>
+                <a:latin typeface="Montserrat Medium" panose="00000600000000000000" pitchFamily="2" charset="0"/>
+                <a:cs typeface="Gill Sans MT"/>
+              </a:rPr>
+              <a:t>’, </a:t>
+            </a:r>
+            <a:r>
+              <a:rPr lang="it-IT" sz="1100" spc="25" dirty="0" err="1">
+                <a:solidFill>
+                  <a:srgbClr val="595959"/>
+                </a:solidFill>
+                <a:latin typeface="Montserrat Medium" panose="00000600000000000000" pitchFamily="2" charset="0"/>
+                <a:cs typeface="Gill Sans MT"/>
+              </a:rPr>
+              <a:t>print</a:t>
+            </a:r>
+            <a:r>
+              <a:rPr lang="it-IT" sz="1100" spc="25" dirty="0">
+                <a:solidFill>
+                  <a:srgbClr val="595959"/>
+                </a:solidFill>
+                <a:latin typeface="Montserrat Medium" panose="00000600000000000000" pitchFamily="2" charset="0"/>
+                <a:cs typeface="Gill Sans MT"/>
+              </a:rPr>
+              <a:t>…)</a:t>
+            </a:r>
+            <a:endParaRPr kumimoji="0" sz="1100" b="0" i="0" u="none" strike="noStrike" kern="1200" cap="none" spc="0" normalizeH="0" baseline="0" noProof="0" dirty="0">
+              <a:ln>
+                <a:noFill/>
+              </a:ln>
+              <a:solidFill>
+                <a:prstClr val="black"/>
+              </a:solidFill>
+              <a:effectLst/>
+              <a:uLnTx/>
+              <a:uFillTx/>
+              <a:latin typeface="Montserrat Medium" panose="00000600000000000000" pitchFamily="2" charset="0"/>
+              <a:ea typeface="+mn-ea"/>
+              <a:cs typeface="Gill Sans MT"/>
+            </a:endParaRPr>
+          </a:p>
+        </p:txBody>
+      </p:sp>
+    </p:spTree>
+    <p:extLst>
+      <p:ext uri="{BB962C8B-B14F-4D97-AF65-F5344CB8AC3E}">
+        <p14:creationId xmlns:p14="http://schemas.microsoft.com/office/powerpoint/2010/main" val="3366148069"/>
+      </p:ext>
+    </p:extLst>
+  </p:cSld>
+  <p:clrMapOvr>
+    <a:masterClrMapping/>
+  </p:clrMapOvr>
+</p:sld>
+</file>
+
+<file path=ppt/slides/slide8.xml><?xml version="1.0" encoding="utf-8"?>
 <p:sld xmlns:a="http://schemas.openxmlformats.org/drawingml/2006/main" xmlns:r="http://schemas.openxmlformats.org/officeDocument/2006/relationships" xmlns:p="http://schemas.openxmlformats.org/presentationml/2006/main">
   <p:cSld>
     <p:spTree>
@@ -8086,18 +10045,7 @@
                 <a:latin typeface="Montserrat Black" panose="00000A00000000000000" pitchFamily="2" charset="0"/>
                 <a:cs typeface="Lucida Sans"/>
               </a:rPr>
-              <a:t>Siamo delle pippe! </a:t>
-            </a:r>
-            <a:r>
-              <a:rPr lang="it-IT" sz="3600" b="1" spc="-65" dirty="0">
-                <a:solidFill>
-                  <a:srgbClr val="FFFFFF"/>
-                </a:solidFill>
-                <a:latin typeface="Montserrat Black" panose="00000A00000000000000" pitchFamily="2" charset="0"/>
-                <a:cs typeface="Lucida Sans"/>
-                <a:sym typeface="Wingdings" panose="05000000000000000000" pitchFamily="2" charset="2"/>
-              </a:rPr>
-              <a:t></a:t>
+              <a:t>Presentazione del sito!</a:t>
             </a:r>
             <a:endParaRPr sz="3600" dirty="0">
               <a:latin typeface="Montserrat Black" panose="00000A00000000000000" pitchFamily="2" charset="0"/>
